--- a/kafka.pptx
+++ b/kafka.pptx
@@ -5,16 +5,17 @@
     <p:sldMasterId id="2147483648" r:id="rId1"/>
   </p:sldMasterIdLst>
   <p:notesMasterIdLst>
-    <p:notesMasterId r:id="rId4"/>
+    <p:notesMasterId r:id="rId5"/>
   </p:notesMasterIdLst>
   <p:sldIdLst>
     <p:sldId id="256" r:id="rId2"/>
     <p:sldId id="307" r:id="rId3"/>
+    <p:sldId id="308" r:id="rId4"/>
   </p:sldIdLst>
   <p:sldSz cx="12192000" cy="6858000"/>
   <p:notesSz cx="6858000" cy="9144000"/>
   <p:custDataLst>
-    <p:tags r:id="rId5"/>
+    <p:tags r:id="rId6"/>
   </p:custDataLst>
   <p:defaultTextStyle>
     <a:defPPr>
@@ -113,7 +114,7 @@
   </p:defaultTextStyle>
   <p:extLst>
     <p:ext uri="{EFAFB233-063F-42B5-8137-9DF3F51BA10A}">
-      <p15:sldGuideLst xmlns:p15="http://schemas.microsoft.com/office/powerpoint/2012/main" xmlns="">
+      <p15:sldGuideLst xmlns="" xmlns:p15="http://schemas.microsoft.com/office/powerpoint/2012/main">
         <p15:guide id="1" orient="horz" pos="2160" userDrawn="1">
           <p15:clr>
             <a:srgbClr val="A4A3A4"/>
@@ -128,10 +129,6 @@
     </p:ext>
   </p:extLst>
 </p:presentation>
-</file>
-
-<file path=ppt/revisionInfo.xml><?xml version="1.0" encoding="utf-8"?>
-<p1510:revInfo xmlns:a="http://schemas.openxmlformats.org/drawingml/2006/main" xmlns:r="http://schemas.openxmlformats.org/officeDocument/2006/relationships" xmlns:p1510="http://schemas.microsoft.com/office/powerpoint/2015/10/main"/>
 </file>
 
 <file path=ppt/notesMasters/notesMaster1.xml><?xml version="1.0" encoding="utf-8"?>
@@ -217,7 +214,7 @@
             <a:fld id="{05B1D5F9-199E-4B77-ACFB-0D659EE03F6C}" type="datetimeFigureOut">
               <a:rPr lang="zh-CN" altLang="en-US" smtClean="0"/>
               <a:pPr/>
-              <a:t>2018/5/28</a:t>
+              <a:t>2018/6/3</a:t>
             </a:fld>
             <a:endParaRPr lang="zh-CN" altLang="en-US"/>
           </a:p>
@@ -385,7 +382,7 @@
     </p:spTree>
     <p:extLst>
       <p:ext uri="{BB962C8B-B14F-4D97-AF65-F5344CB8AC3E}">
-        <p14:creationId xmlns:p14="http://schemas.microsoft.com/office/powerpoint/2010/main" xmlns="" val="4136795833"/>
+        <p14:creationId xmlns="" xmlns:p14="http://schemas.microsoft.com/office/powerpoint/2010/main" val="4136795833"/>
       </p:ext>
     </p:extLst>
   </p:cSld>
@@ -560,7 +557,7 @@
     </p:spTree>
     <p:extLst>
       <p:ext uri="{BB962C8B-B14F-4D97-AF65-F5344CB8AC3E}">
-        <p14:creationId xmlns:p14="http://schemas.microsoft.com/office/powerpoint/2010/main" xmlns="" val="2594768037"/>
+        <p14:creationId xmlns="" xmlns:p14="http://schemas.microsoft.com/office/powerpoint/2010/main" val="2594768037"/>
       </p:ext>
     </p:extLst>
   </p:cSld>
@@ -645,7 +642,92 @@
     </p:spTree>
     <p:extLst>
       <p:ext uri="{BB962C8B-B14F-4D97-AF65-F5344CB8AC3E}">
-        <p14:creationId xmlns:p14="http://schemas.microsoft.com/office/powerpoint/2010/main" xmlns="" val="2506518844"/>
+        <p14:creationId xmlns="" xmlns:p14="http://schemas.microsoft.com/office/powerpoint/2010/main" val="2506518844"/>
+      </p:ext>
+    </p:extLst>
+  </p:cSld>
+  <p:clrMapOvr>
+    <a:masterClrMapping/>
+  </p:clrMapOvr>
+</p:notes>
+</file>
+
+<file path=ppt/notesSlides/notesSlide3.xml><?xml version="1.0" encoding="utf-8"?>
+<p:notes xmlns:a="http://schemas.openxmlformats.org/drawingml/2006/main" xmlns:r="http://schemas.openxmlformats.org/officeDocument/2006/relationships" xmlns:p="http://schemas.openxmlformats.org/presentationml/2006/main">
+  <p:cSld>
+    <p:spTree>
+      <p:nvGrpSpPr>
+        <p:cNvPr id="1" name=""/>
+        <p:cNvGrpSpPr/>
+        <p:nvPr/>
+      </p:nvGrpSpPr>
+      <p:grpSpPr>
+        <a:xfrm>
+          <a:off x="0" y="0"/>
+          <a:ext cx="0" cy="0"/>
+          <a:chOff x="0" y="0"/>
+          <a:chExt cx="0" cy="0"/>
+        </a:xfrm>
+      </p:grpSpPr>
+      <p:sp>
+        <p:nvSpPr>
+          <p:cNvPr id="2" name="幻灯片图像占位符 1"/>
+          <p:cNvSpPr>
+            <a:spLocks noGrp="1" noRot="1" noChangeAspect="1"/>
+          </p:cNvSpPr>
+          <p:nvPr>
+            <p:ph type="sldImg"/>
+          </p:nvPr>
+        </p:nvSpPr>
+        <p:spPr/>
+      </p:sp>
+      <p:sp>
+        <p:nvSpPr>
+          <p:cNvPr id="3" name="备注占位符 2"/>
+          <p:cNvSpPr>
+            <a:spLocks noGrp="1"/>
+          </p:cNvSpPr>
+          <p:nvPr>
+            <p:ph type="body" idx="1"/>
+          </p:nvPr>
+        </p:nvSpPr>
+        <p:spPr/>
+        <p:txBody>
+          <a:bodyPr/>
+          <a:lstStyle/>
+          <a:p>
+            <a:endParaRPr lang="zh-CN" altLang="en-US"/>
+          </a:p>
+        </p:txBody>
+      </p:sp>
+      <p:sp>
+        <p:nvSpPr>
+          <p:cNvPr id="4" name="灯片编号占位符 3"/>
+          <p:cNvSpPr>
+            <a:spLocks noGrp="1"/>
+          </p:cNvSpPr>
+          <p:nvPr>
+            <p:ph type="sldNum" sz="quarter" idx="10"/>
+          </p:nvPr>
+        </p:nvSpPr>
+        <p:spPr/>
+        <p:txBody>
+          <a:bodyPr/>
+          <a:lstStyle/>
+          <a:p>
+            <a:fld id="{22553725-671C-4999-8D68-861E5DC01BD8}" type="slidenum">
+              <a:rPr lang="zh-CN" altLang="en-US" smtClean="0"/>
+              <a:pPr/>
+              <a:t>3</a:t>
+            </a:fld>
+            <a:endParaRPr lang="zh-CN" altLang="en-US"/>
+          </a:p>
+        </p:txBody>
+      </p:sp>
+    </p:spTree>
+    <p:extLst>
+      <p:ext uri="{BB962C8B-B14F-4D97-AF65-F5344CB8AC3E}">
+        <p14:creationId xmlns="" xmlns:p14="http://schemas.microsoft.com/office/powerpoint/2010/main" val="4273141460"/>
       </p:ext>
     </p:extLst>
   </p:cSld>
@@ -785,7 +867,7 @@
             <a:fld id="{91AD7F68-8E1B-45E2-8A27-5D5DEAAB1BF2}" type="datetimeFigureOut">
               <a:rPr lang="zh-CN" altLang="en-US" smtClean="0"/>
               <a:pPr/>
-              <a:t>2018/5/28</a:t>
+              <a:t>2018/6/3</a:t>
             </a:fld>
             <a:endParaRPr lang="zh-CN" altLang="en-US"/>
           </a:p>
@@ -837,7 +919,7 @@
     </p:spTree>
     <p:extLst>
       <p:ext uri="{BB962C8B-B14F-4D97-AF65-F5344CB8AC3E}">
-        <p14:creationId xmlns:p14="http://schemas.microsoft.com/office/powerpoint/2010/main" xmlns="" val="3379505774"/>
+        <p14:creationId xmlns="" xmlns:p14="http://schemas.microsoft.com/office/powerpoint/2010/main" val="3379505774"/>
       </p:ext>
     </p:extLst>
   </p:cSld>
@@ -845,7 +927,7 @@
     <a:masterClrMapping/>
   </p:clrMapOvr>
   <mc:AlternateContent xmlns:mc="http://schemas.openxmlformats.org/markup-compatibility/2006">
-    <mc:Choice xmlns:p14="http://schemas.microsoft.com/office/powerpoint/2010/main" xmlns="" Requires="p14">
+    <mc:Choice xmlns="" xmlns:p14="http://schemas.microsoft.com/office/powerpoint/2010/main" Requires="p14">
       <p:transition spd="slow" p14:dur="1500" advClick="0" advTm="0">
         <p:random/>
       </p:transition>
@@ -967,7 +1049,7 @@
             <a:fld id="{91AD7F68-8E1B-45E2-8A27-5D5DEAAB1BF2}" type="datetimeFigureOut">
               <a:rPr lang="zh-CN" altLang="en-US" smtClean="0"/>
               <a:pPr/>
-              <a:t>2018/5/28</a:t>
+              <a:t>2018/6/3</a:t>
             </a:fld>
             <a:endParaRPr lang="zh-CN" altLang="en-US"/>
           </a:p>
@@ -1019,7 +1101,7 @@
     </p:spTree>
     <p:extLst>
       <p:ext uri="{BB962C8B-B14F-4D97-AF65-F5344CB8AC3E}">
-        <p14:creationId xmlns:p14="http://schemas.microsoft.com/office/powerpoint/2010/main" xmlns="" val="4292131042"/>
+        <p14:creationId xmlns="" xmlns:p14="http://schemas.microsoft.com/office/powerpoint/2010/main" val="4292131042"/>
       </p:ext>
     </p:extLst>
   </p:cSld>
@@ -1027,7 +1109,7 @@
     <a:masterClrMapping/>
   </p:clrMapOvr>
   <mc:AlternateContent xmlns:mc="http://schemas.openxmlformats.org/markup-compatibility/2006">
-    <mc:Choice xmlns:p14="http://schemas.microsoft.com/office/powerpoint/2010/main" xmlns="" Requires="p14">
+    <mc:Choice xmlns="" xmlns:p14="http://schemas.microsoft.com/office/powerpoint/2010/main" Requires="p14">
       <p:transition spd="slow" p14:dur="1500" advClick="0" advTm="0">
         <p:random/>
       </p:transition>
@@ -1159,7 +1241,7 @@
             <a:fld id="{91AD7F68-8E1B-45E2-8A27-5D5DEAAB1BF2}" type="datetimeFigureOut">
               <a:rPr lang="zh-CN" altLang="en-US" smtClean="0"/>
               <a:pPr/>
-              <a:t>2018/5/28</a:t>
+              <a:t>2018/6/3</a:t>
             </a:fld>
             <a:endParaRPr lang="zh-CN" altLang="en-US"/>
           </a:p>
@@ -1211,7 +1293,7 @@
     </p:spTree>
     <p:extLst>
       <p:ext uri="{BB962C8B-B14F-4D97-AF65-F5344CB8AC3E}">
-        <p14:creationId xmlns:p14="http://schemas.microsoft.com/office/powerpoint/2010/main" xmlns="" val="1952128637"/>
+        <p14:creationId xmlns="" xmlns:p14="http://schemas.microsoft.com/office/powerpoint/2010/main" val="1952128637"/>
       </p:ext>
     </p:extLst>
   </p:cSld>
@@ -1219,7 +1301,7 @@
     <a:masterClrMapping/>
   </p:clrMapOvr>
   <mc:AlternateContent xmlns:mc="http://schemas.openxmlformats.org/markup-compatibility/2006">
-    <mc:Choice xmlns:p14="http://schemas.microsoft.com/office/powerpoint/2010/main" xmlns="" Requires="p14">
+    <mc:Choice xmlns="" xmlns:p14="http://schemas.microsoft.com/office/powerpoint/2010/main" Requires="p14">
       <p:transition spd="slow" p14:dur="1500" advClick="0" advTm="0">
         <p:random/>
       </p:transition>
@@ -1341,7 +1423,7 @@
             <a:fld id="{91AD7F68-8E1B-45E2-8A27-5D5DEAAB1BF2}" type="datetimeFigureOut">
               <a:rPr lang="zh-CN" altLang="en-US" smtClean="0"/>
               <a:pPr/>
-              <a:t>2018/5/28</a:t>
+              <a:t>2018/6/3</a:t>
             </a:fld>
             <a:endParaRPr lang="zh-CN" altLang="en-US"/>
           </a:p>
@@ -1393,7 +1475,7 @@
     </p:spTree>
     <p:extLst>
       <p:ext uri="{BB962C8B-B14F-4D97-AF65-F5344CB8AC3E}">
-        <p14:creationId xmlns:p14="http://schemas.microsoft.com/office/powerpoint/2010/main" xmlns="" val="4173798514"/>
+        <p14:creationId xmlns="" xmlns:p14="http://schemas.microsoft.com/office/powerpoint/2010/main" val="4173798514"/>
       </p:ext>
     </p:extLst>
   </p:cSld>
@@ -1401,7 +1483,7 @@
     <a:masterClrMapping/>
   </p:clrMapOvr>
   <mc:AlternateContent xmlns:mc="http://schemas.openxmlformats.org/markup-compatibility/2006">
-    <mc:Choice xmlns:p14="http://schemas.microsoft.com/office/powerpoint/2010/main" xmlns="" Requires="p14">
+    <mc:Choice xmlns="" xmlns:p14="http://schemas.microsoft.com/office/powerpoint/2010/main" Requires="p14">
       <p:transition spd="slow" p14:dur="1500" advClick="0" advTm="0">
         <p:random/>
       </p:transition>
@@ -1600,7 +1682,7 @@
             <a:fld id="{91AD7F68-8E1B-45E2-8A27-5D5DEAAB1BF2}" type="datetimeFigureOut">
               <a:rPr lang="zh-CN" altLang="en-US" smtClean="0"/>
               <a:pPr/>
-              <a:t>2018/5/28</a:t>
+              <a:t>2018/6/3</a:t>
             </a:fld>
             <a:endParaRPr lang="zh-CN" altLang="en-US"/>
           </a:p>
@@ -1652,7 +1734,7 @@
     </p:spTree>
     <p:extLst>
       <p:ext uri="{BB962C8B-B14F-4D97-AF65-F5344CB8AC3E}">
-        <p14:creationId xmlns:p14="http://schemas.microsoft.com/office/powerpoint/2010/main" xmlns="" val="2343028950"/>
+        <p14:creationId xmlns="" xmlns:p14="http://schemas.microsoft.com/office/powerpoint/2010/main" val="2343028950"/>
       </p:ext>
     </p:extLst>
   </p:cSld>
@@ -1660,7 +1742,7 @@
     <a:masterClrMapping/>
   </p:clrMapOvr>
   <mc:AlternateContent xmlns:mc="http://schemas.openxmlformats.org/markup-compatibility/2006">
-    <mc:Choice xmlns:p14="http://schemas.microsoft.com/office/powerpoint/2010/main" xmlns="" Requires="p14">
+    <mc:Choice xmlns="" xmlns:p14="http://schemas.microsoft.com/office/powerpoint/2010/main" Requires="p14">
       <p:transition spd="slow" p14:dur="1500" advClick="0" advTm="0">
         <p:random/>
       </p:transition>
@@ -1843,7 +1925,7 @@
             <a:fld id="{91AD7F68-8E1B-45E2-8A27-5D5DEAAB1BF2}" type="datetimeFigureOut">
               <a:rPr lang="zh-CN" altLang="en-US" smtClean="0"/>
               <a:pPr/>
-              <a:t>2018/5/28</a:t>
+              <a:t>2018/6/3</a:t>
             </a:fld>
             <a:endParaRPr lang="zh-CN" altLang="en-US"/>
           </a:p>
@@ -1895,7 +1977,7 @@
     </p:spTree>
     <p:extLst>
       <p:ext uri="{BB962C8B-B14F-4D97-AF65-F5344CB8AC3E}">
-        <p14:creationId xmlns:p14="http://schemas.microsoft.com/office/powerpoint/2010/main" xmlns="" val="1951757828"/>
+        <p14:creationId xmlns="" xmlns:p14="http://schemas.microsoft.com/office/powerpoint/2010/main" val="1951757828"/>
       </p:ext>
     </p:extLst>
   </p:cSld>
@@ -1903,7 +1985,7 @@
     <a:masterClrMapping/>
   </p:clrMapOvr>
   <mc:AlternateContent xmlns:mc="http://schemas.openxmlformats.org/markup-compatibility/2006">
-    <mc:Choice xmlns:p14="http://schemas.microsoft.com/office/powerpoint/2010/main" xmlns="" Requires="p14">
+    <mc:Choice xmlns="" xmlns:p14="http://schemas.microsoft.com/office/powerpoint/2010/main" Requires="p14">
       <p:transition spd="slow" p14:dur="1500" advClick="0" advTm="0">
         <p:random/>
       </p:transition>
@@ -2221,7 +2303,7 @@
             <a:fld id="{91AD7F68-8E1B-45E2-8A27-5D5DEAAB1BF2}" type="datetimeFigureOut">
               <a:rPr lang="zh-CN" altLang="en-US" smtClean="0"/>
               <a:pPr/>
-              <a:t>2018/5/28</a:t>
+              <a:t>2018/6/3</a:t>
             </a:fld>
             <a:endParaRPr lang="zh-CN" altLang="en-US"/>
           </a:p>
@@ -2273,7 +2355,7 @@
     </p:spTree>
     <p:extLst>
       <p:ext uri="{BB962C8B-B14F-4D97-AF65-F5344CB8AC3E}">
-        <p14:creationId xmlns:p14="http://schemas.microsoft.com/office/powerpoint/2010/main" xmlns="" val="3785743930"/>
+        <p14:creationId xmlns="" xmlns:p14="http://schemas.microsoft.com/office/powerpoint/2010/main" val="3785743930"/>
       </p:ext>
     </p:extLst>
   </p:cSld>
@@ -2281,7 +2363,7 @@
     <a:masterClrMapping/>
   </p:clrMapOvr>
   <mc:AlternateContent xmlns:mc="http://schemas.openxmlformats.org/markup-compatibility/2006">
-    <mc:Choice xmlns:p14="http://schemas.microsoft.com/office/powerpoint/2010/main" xmlns="" Requires="p14">
+    <mc:Choice xmlns="" xmlns:p14="http://schemas.microsoft.com/office/powerpoint/2010/main" Requires="p14">
       <p:transition spd="slow" p14:dur="1500" advClick="0" advTm="0">
         <p:random/>
       </p:transition>
@@ -2352,7 +2434,7 @@
             <a:fld id="{91AD7F68-8E1B-45E2-8A27-5D5DEAAB1BF2}" type="datetimeFigureOut">
               <a:rPr lang="zh-CN" altLang="en-US" smtClean="0"/>
               <a:pPr/>
-              <a:t>2018/5/28</a:t>
+              <a:t>2018/6/3</a:t>
             </a:fld>
             <a:endParaRPr lang="zh-CN" altLang="en-US"/>
           </a:p>
@@ -2404,7 +2486,7 @@
     </p:spTree>
     <p:extLst>
       <p:ext uri="{BB962C8B-B14F-4D97-AF65-F5344CB8AC3E}">
-        <p14:creationId xmlns:p14="http://schemas.microsoft.com/office/powerpoint/2010/main" xmlns="" val="1272998583"/>
+        <p14:creationId xmlns="" xmlns:p14="http://schemas.microsoft.com/office/powerpoint/2010/main" val="1272998583"/>
       </p:ext>
     </p:extLst>
   </p:cSld>
@@ -2412,7 +2494,7 @@
     <a:masterClrMapping/>
   </p:clrMapOvr>
   <mc:AlternateContent xmlns:mc="http://schemas.openxmlformats.org/markup-compatibility/2006">
-    <mc:Choice xmlns:p14="http://schemas.microsoft.com/office/powerpoint/2010/main" xmlns="" Requires="p14">
+    <mc:Choice xmlns="" xmlns:p14="http://schemas.microsoft.com/office/powerpoint/2010/main" Requires="p14">
       <p:transition spd="slow" p14:dur="1500" advClick="0" advTm="0">
         <p:random/>
       </p:transition>
@@ -2461,7 +2543,7 @@
             <a:fld id="{91AD7F68-8E1B-45E2-8A27-5D5DEAAB1BF2}" type="datetimeFigureOut">
               <a:rPr lang="zh-CN" altLang="en-US" smtClean="0"/>
               <a:pPr/>
-              <a:t>2018/5/28</a:t>
+              <a:t>2018/6/3</a:t>
             </a:fld>
             <a:endParaRPr lang="zh-CN" altLang="en-US"/>
           </a:p>
@@ -2513,7 +2595,7 @@
     </p:spTree>
     <p:extLst>
       <p:ext uri="{BB962C8B-B14F-4D97-AF65-F5344CB8AC3E}">
-        <p14:creationId xmlns:p14="http://schemas.microsoft.com/office/powerpoint/2010/main" xmlns="" val="2103091704"/>
+        <p14:creationId xmlns="" xmlns:p14="http://schemas.microsoft.com/office/powerpoint/2010/main" val="2103091704"/>
       </p:ext>
     </p:extLst>
   </p:cSld>
@@ -2521,7 +2603,7 @@
     <a:masterClrMapping/>
   </p:clrMapOvr>
   <mc:AlternateContent xmlns:mc="http://schemas.openxmlformats.org/markup-compatibility/2006">
-    <mc:Choice xmlns:p14="http://schemas.microsoft.com/office/powerpoint/2010/main" xmlns="" Requires="p14">
+    <mc:Choice xmlns="" xmlns:p14="http://schemas.microsoft.com/office/powerpoint/2010/main" Requires="p14">
       <p:transition spd="slow" p14:dur="1500" advClick="0" advTm="0">
         <p:random/>
       </p:transition>
@@ -2750,7 +2832,7 @@
             <a:fld id="{91AD7F68-8E1B-45E2-8A27-5D5DEAAB1BF2}" type="datetimeFigureOut">
               <a:rPr lang="zh-CN" altLang="en-US" smtClean="0"/>
               <a:pPr/>
-              <a:t>2018/5/28</a:t>
+              <a:t>2018/6/3</a:t>
             </a:fld>
             <a:endParaRPr lang="zh-CN" altLang="en-US"/>
           </a:p>
@@ -2802,7 +2884,7 @@
     </p:spTree>
     <p:extLst>
       <p:ext uri="{BB962C8B-B14F-4D97-AF65-F5344CB8AC3E}">
-        <p14:creationId xmlns:p14="http://schemas.microsoft.com/office/powerpoint/2010/main" xmlns="" val="2275436477"/>
+        <p14:creationId xmlns="" xmlns:p14="http://schemas.microsoft.com/office/powerpoint/2010/main" val="2275436477"/>
       </p:ext>
     </p:extLst>
   </p:cSld>
@@ -2810,7 +2892,7 @@
     <a:masterClrMapping/>
   </p:clrMapOvr>
   <mc:AlternateContent xmlns:mc="http://schemas.openxmlformats.org/markup-compatibility/2006">
-    <mc:Choice xmlns:p14="http://schemas.microsoft.com/office/powerpoint/2010/main" xmlns="" Requires="p14">
+    <mc:Choice xmlns="" xmlns:p14="http://schemas.microsoft.com/office/powerpoint/2010/main" Requires="p14">
       <p:transition spd="slow" p14:dur="1500" advClick="0" advTm="0">
         <p:random/>
       </p:transition>
@@ -3016,7 +3098,7 @@
             <a:fld id="{91AD7F68-8E1B-45E2-8A27-5D5DEAAB1BF2}" type="datetimeFigureOut">
               <a:rPr lang="zh-CN" altLang="en-US" smtClean="0"/>
               <a:pPr/>
-              <a:t>2018/5/28</a:t>
+              <a:t>2018/6/3</a:t>
             </a:fld>
             <a:endParaRPr lang="zh-CN" altLang="en-US"/>
           </a:p>
@@ -3068,7 +3150,7 @@
     </p:spTree>
     <p:extLst>
       <p:ext uri="{BB962C8B-B14F-4D97-AF65-F5344CB8AC3E}">
-        <p14:creationId xmlns:p14="http://schemas.microsoft.com/office/powerpoint/2010/main" xmlns="" val="2724821356"/>
+        <p14:creationId xmlns="" xmlns:p14="http://schemas.microsoft.com/office/powerpoint/2010/main" val="2724821356"/>
       </p:ext>
     </p:extLst>
   </p:cSld>
@@ -3076,7 +3158,7 @@
     <a:masterClrMapping/>
   </p:clrMapOvr>
   <mc:AlternateContent xmlns:mc="http://schemas.openxmlformats.org/markup-compatibility/2006">
-    <mc:Choice xmlns:p14="http://schemas.microsoft.com/office/powerpoint/2010/main" xmlns="" Requires="p14">
+    <mc:Choice xmlns="" xmlns:p14="http://schemas.microsoft.com/office/powerpoint/2010/main" Requires="p14">
       <p:transition spd="slow" p14:dur="1500" advClick="0" advTm="0">
         <p:random/>
       </p:transition>
@@ -3241,7 +3323,7 @@
             <a:fld id="{91AD7F68-8E1B-45E2-8A27-5D5DEAAB1BF2}" type="datetimeFigureOut">
               <a:rPr lang="zh-CN" altLang="en-US" smtClean="0"/>
               <a:pPr/>
-              <a:t>2018/5/28</a:t>
+              <a:t>2018/6/3</a:t>
             </a:fld>
             <a:endParaRPr lang="zh-CN" altLang="en-US"/>
           </a:p>
@@ -3329,7 +3411,7 @@
     </p:spTree>
     <p:extLst>
       <p:ext uri="{BB962C8B-B14F-4D97-AF65-F5344CB8AC3E}">
-        <p14:creationId xmlns:p14="http://schemas.microsoft.com/office/powerpoint/2010/main" xmlns="" val="666783823"/>
+        <p14:creationId xmlns="" xmlns:p14="http://schemas.microsoft.com/office/powerpoint/2010/main" val="666783823"/>
       </p:ext>
     </p:extLst>
   </p:cSld>
@@ -3348,7 +3430,7 @@
     <p:sldLayoutId id="2147483659" r:id="rId11"/>
   </p:sldLayoutIdLst>
   <mc:AlternateContent xmlns:mc="http://schemas.openxmlformats.org/markup-compatibility/2006">
-    <mc:Choice xmlns:p14="http://schemas.microsoft.com/office/powerpoint/2010/main" xmlns="" Requires="p14">
+    <mc:Choice xmlns="" xmlns:p14="http://schemas.microsoft.com/office/powerpoint/2010/main" Requires="p14">
       <p:transition spd="slow" p14:dur="1500" advClick="0" advTm="0">
         <p:random/>
       </p:transition>
@@ -3671,7 +3753,7 @@
           <a:blip r:embed="rId3" cstate="print">
             <a:extLst>
               <a:ext uri="{28A0092B-C50C-407E-A947-70E740481C1C}">
-                <a14:useLocalDpi xmlns:a14="http://schemas.microsoft.com/office/drawing/2010/main" xmlns=""/>
+                <a14:useLocalDpi xmlns="" xmlns:a14="http://schemas.microsoft.com/office/drawing/2010/main"/>
               </a:ext>
             </a:extLst>
           </a:blip>
@@ -9245,7 +9327,7 @@
           <p:cNvPr id="9" name="TextBox 8">
             <a:extLst>
               <a:ext uri="{FF2B5EF4-FFF2-40B4-BE49-F238E27FC236}">
-                <a16:creationId xmlns:a16="http://schemas.microsoft.com/office/drawing/2014/main" xmlns="" id="{73C77ED2-C357-47B7-8381-585C44BF2B89}"/>
+                <a16:creationId xmlns="" xmlns:a16="http://schemas.microsoft.com/office/drawing/2014/main" id="{73C77ED2-C357-47B7-8381-585C44BF2B89}"/>
               </a:ext>
             </a:extLst>
           </p:cNvPr>
@@ -9254,8 +9336,8 @@
         </p:nvSpPr>
         <p:spPr>
           <a:xfrm>
-            <a:off x="2514890" y="1868418"/>
-            <a:ext cx="6955751" cy="1446550"/>
+            <a:off x="4489792" y="1868418"/>
+            <a:ext cx="3005952" cy="1446550"/>
           </a:xfrm>
           <a:prstGeom prst="rect">
             <a:avLst/>
@@ -9277,9 +9359,9 @@
                 <a:latin typeface="Aharoni" panose="02010803020104030203" pitchFamily="2" charset="-79"/>
                 <a:cs typeface="Aharoni" panose="02010803020104030203" pitchFamily="2" charset="-79"/>
               </a:rPr>
-              <a:t>Spring Cloud</a:t>
+              <a:t>Kafka</a:t>
             </a:r>
-            <a:endParaRPr lang="en-US" altLang="zh-CN" sz="8800" dirty="0" smtClean="0">
+            <a:endParaRPr lang="en-US" altLang="zh-CN" sz="8800" dirty="0">
               <a:solidFill>
                 <a:schemeClr val="bg1"/>
               </a:solidFill>
@@ -9292,7 +9374,7 @@
     </p:spTree>
     <p:extLst>
       <p:ext uri="{BB962C8B-B14F-4D97-AF65-F5344CB8AC3E}">
-        <p14:creationId xmlns:p14="http://schemas.microsoft.com/office/powerpoint/2010/main" xmlns="" val="656483861"/>
+        <p14:creationId xmlns="" xmlns:p14="http://schemas.microsoft.com/office/powerpoint/2010/main" val="656483861"/>
       </p:ext>
     </p:extLst>
   </p:cSld>
@@ -9300,7 +9382,7 @@
     <a:masterClrMapping/>
   </p:clrMapOvr>
   <mc:AlternateContent xmlns:mc="http://schemas.openxmlformats.org/markup-compatibility/2006">
-    <mc:Choice xmlns:p14="http://schemas.microsoft.com/office/powerpoint/2010/main" xmlns="" Requires="p14">
+    <mc:Choice xmlns="" xmlns:p14="http://schemas.microsoft.com/office/powerpoint/2010/main" Requires="p14">
       <p:transition spd="slow" p14:dur="1500">
         <p:random/>
       </p:transition>
@@ -9799,15 +9881,22 @@
           <a:p>
             <a:pPr marL="0" lvl="1"/>
             <a:r>
-              <a:rPr lang="en-US" altLang="zh-CN" sz="2800" spc="300" dirty="0" smtClean="0">
+              <a:rPr lang="zh-CN" altLang="en-US" sz="2800" spc="300" dirty="0">
                 <a:solidFill>
                   <a:srgbClr val="0D4960"/>
                 </a:solidFill>
                 <a:latin typeface="方正尚酷简体" panose="03000509000000000000" pitchFamily="65" charset="-122"/>
                 <a:ea typeface="方正尚酷简体" panose="03000509000000000000" pitchFamily="65" charset="-122"/>
               </a:rPr>
-              <a:t>Projects</a:t>
+              <a:t>安装</a:t>
             </a:r>
+            <a:endParaRPr lang="en-US" altLang="zh-CN" sz="2800" spc="300" dirty="0">
+              <a:solidFill>
+                <a:srgbClr val="0D4960"/>
+              </a:solidFill>
+              <a:latin typeface="方正尚酷简体" panose="03000509000000000000" pitchFamily="65" charset="-122"/>
+              <a:ea typeface="方正尚酷简体" panose="03000509000000000000" pitchFamily="65" charset="-122"/>
+            </a:endParaRPr>
           </a:p>
         </p:txBody>
       </p:sp>
@@ -9848,10 +9937,156 @@
           </a:fontRef>
         </p:style>
       </p:cxnSp>
+      <p:sp>
+        <p:nvSpPr>
+          <p:cNvPr id="3" name="Rectangle 2">
+            <a:extLst>
+              <a:ext uri="{FF2B5EF4-FFF2-40B4-BE49-F238E27FC236}">
+                <a16:creationId xmlns="" xmlns:a16="http://schemas.microsoft.com/office/drawing/2014/main" id="{3EC1A520-F8F0-4485-9D8D-9834C2B7D343}"/>
+              </a:ext>
+            </a:extLst>
+          </p:cNvPr>
+          <p:cNvSpPr/>
+          <p:nvPr/>
+        </p:nvSpPr>
+        <p:spPr>
+          <a:xfrm>
+            <a:off x="1220303" y="936703"/>
+            <a:ext cx="2899252" cy="646767"/>
+          </a:xfrm>
+          <a:prstGeom prst="rect">
+            <a:avLst/>
+          </a:prstGeom>
+        </p:spPr>
+        <p:style>
+          <a:lnRef idx="2">
+            <a:schemeClr val="accent1">
+              <a:shade val="50000"/>
+            </a:schemeClr>
+          </a:lnRef>
+          <a:fillRef idx="1">
+            <a:schemeClr val="accent1"/>
+          </a:fillRef>
+          <a:effectRef idx="0">
+            <a:schemeClr val="accent1"/>
+          </a:effectRef>
+          <a:fontRef idx="minor">
+            <a:schemeClr val="lt1"/>
+          </a:fontRef>
+        </p:style>
+        <p:txBody>
+          <a:bodyPr rtlCol="0" anchor="ctr"/>
+          <a:lstStyle/>
+          <a:p>
+            <a:pPr algn="ctr"/>
+            <a:r>
+              <a:rPr lang="zh-CN" altLang="en-US" dirty="0"/>
+              <a:t>下</a:t>
+            </a:r>
+            <a:r>
+              <a:rPr lang="zh-CN" altLang="en-US" dirty="0" smtClean="0"/>
+              <a:t>载</a:t>
+            </a:r>
+            <a:r>
+              <a:rPr lang="en-US" altLang="zh-CN" dirty="0" err="1" smtClean="0"/>
+              <a:t>kafka</a:t>
+            </a:r>
+            <a:r>
+              <a:rPr lang="zh-CN" altLang="en-US" dirty="0" smtClean="0"/>
+              <a:t>并</a:t>
+            </a:r>
+            <a:r>
+              <a:rPr lang="zh-CN" altLang="en-US" dirty="0"/>
+              <a:t>解压</a:t>
+            </a:r>
+            <a:endParaRPr lang="en-US" altLang="zh-CN" dirty="0"/>
+          </a:p>
+        </p:txBody>
+      </p:sp>
+      <p:cxnSp>
+        <p:nvCxnSpPr>
+          <p:cNvPr id="8" name="Straight Arrow Connector 7">
+            <a:extLst>
+              <a:ext uri="{FF2B5EF4-FFF2-40B4-BE49-F238E27FC236}">
+                <a16:creationId xmlns="" xmlns:a16="http://schemas.microsoft.com/office/drawing/2014/main" id="{93642412-98BD-497E-B148-1B36D43416F6}"/>
+              </a:ext>
+            </a:extLst>
+          </p:cNvPr>
+          <p:cNvCxnSpPr/>
+          <p:nvPr/>
+        </p:nvCxnSpPr>
+        <p:spPr>
+          <a:xfrm flipH="1">
+            <a:off x="2554611" y="1428750"/>
+            <a:ext cx="1917377" cy="1529722"/>
+          </a:xfrm>
+          <a:prstGeom prst="straightConnector1">
+            <a:avLst/>
+          </a:prstGeom>
+          <a:ln>
+            <a:tailEnd type="triangle"/>
+          </a:ln>
+        </p:spPr>
+        <p:style>
+          <a:lnRef idx="3">
+            <a:schemeClr val="accent2"/>
+          </a:lnRef>
+          <a:fillRef idx="0">
+            <a:schemeClr val="accent2"/>
+          </a:fillRef>
+          <a:effectRef idx="2">
+            <a:schemeClr val="accent2"/>
+          </a:effectRef>
+          <a:fontRef idx="minor">
+            <a:schemeClr val="tx1"/>
+          </a:fontRef>
+        </p:style>
+      </p:cxnSp>
+      <p:cxnSp>
+        <p:nvCxnSpPr>
+          <p:cNvPr id="10" name="Straight Arrow Connector 9">
+            <a:extLst>
+              <a:ext uri="{FF2B5EF4-FFF2-40B4-BE49-F238E27FC236}">
+                <a16:creationId xmlns="" xmlns:a16="http://schemas.microsoft.com/office/drawing/2014/main" id="{4EE1600F-5FD0-40DF-8788-4FF617AB41A8}"/>
+              </a:ext>
+            </a:extLst>
+          </p:cNvPr>
+          <p:cNvCxnSpPr>
+            <a:cxnSpLocks/>
+          </p:cNvCxnSpPr>
+          <p:nvPr/>
+        </p:nvCxnSpPr>
+        <p:spPr>
+          <a:xfrm flipH="1">
+            <a:off x="2668911" y="1735814"/>
+            <a:ext cx="1724669" cy="3103275"/>
+          </a:xfrm>
+          <a:prstGeom prst="straightConnector1">
+            <a:avLst/>
+          </a:prstGeom>
+          <a:ln>
+            <a:tailEnd type="triangle"/>
+          </a:ln>
+        </p:spPr>
+        <p:style>
+          <a:lnRef idx="3">
+            <a:schemeClr val="accent2"/>
+          </a:lnRef>
+          <a:fillRef idx="0">
+            <a:schemeClr val="accent2"/>
+          </a:fillRef>
+          <a:effectRef idx="2">
+            <a:schemeClr val="accent2"/>
+          </a:effectRef>
+          <a:fontRef idx="minor">
+            <a:schemeClr val="tx1"/>
+          </a:fontRef>
+        </p:style>
+      </p:cxnSp>
     </p:spTree>
     <p:extLst>
       <p:ext uri="{BB962C8B-B14F-4D97-AF65-F5344CB8AC3E}">
-        <p14:creationId xmlns:p14="http://schemas.microsoft.com/office/powerpoint/2010/main" xmlns="" val="264814506"/>
+        <p14:creationId xmlns="" xmlns:p14="http://schemas.microsoft.com/office/powerpoint/2010/main" val="264814506"/>
       </p:ext>
     </p:extLst>
   </p:cSld>
@@ -9859,7 +10094,1569 @@
     <a:masterClrMapping/>
   </p:clrMapOvr>
   <mc:AlternateContent xmlns:mc="http://schemas.openxmlformats.org/markup-compatibility/2006">
-    <mc:Choice xmlns:p14="http://schemas.microsoft.com/office/powerpoint/2010/main" xmlns="" Requires="p14">
+    <mc:Choice xmlns="" xmlns:p14="http://schemas.microsoft.com/office/powerpoint/2010/main" Requires="p14">
+      <p:transition spd="slow" p14:dur="1500">
+        <p:random/>
+      </p:transition>
+    </mc:Choice>
+    <mc:Fallback>
+      <p:transition spd="slow">
+        <p:random/>
+      </p:transition>
+    </mc:Fallback>
+  </mc:AlternateContent>
+  <p:timing>
+    <p:tnLst>
+      <p:par>
+        <p:cTn id="1" dur="indefinite" restart="never" nodeType="tmRoot">
+          <p:childTnLst>
+            <p:seq concurrent="1" nextAc="seek">
+              <p:cTn id="2" dur="indefinite" nodeType="mainSeq">
+                <p:childTnLst>
+                  <p:par>
+                    <p:cTn id="3" fill="hold">
+                      <p:stCondLst>
+                        <p:cond delay="indefinite"/>
+                        <p:cond evt="onBegin" delay="0">
+                          <p:tn val="2"/>
+                        </p:cond>
+                      </p:stCondLst>
+                      <p:childTnLst>
+                        <p:par>
+                          <p:cTn id="4" fill="hold">
+                            <p:stCondLst>
+                              <p:cond delay="0"/>
+                            </p:stCondLst>
+                            <p:childTnLst>
+                              <p:par>
+                                <p:cTn id="5" presetID="2" presetClass="entr" presetSubtype="8" fill="hold" nodeType="afterEffect">
+                                  <p:stCondLst>
+                                    <p:cond delay="0"/>
+                                  </p:stCondLst>
+                                  <p:childTnLst>
+                                    <p:set>
+                                      <p:cBhvr>
+                                        <p:cTn id="6" dur="1" fill="hold">
+                                          <p:stCondLst>
+                                            <p:cond delay="0"/>
+                                          </p:stCondLst>
+                                        </p:cTn>
+                                        <p:tgtEl>
+                                          <p:spTgt spid="2"/>
+                                        </p:tgtEl>
+                                        <p:attrNameLst>
+                                          <p:attrName>style.visibility</p:attrName>
+                                        </p:attrNameLst>
+                                      </p:cBhvr>
+                                      <p:to>
+                                        <p:strVal val="visible"/>
+                                      </p:to>
+                                    </p:set>
+                                    <p:anim calcmode="lin" valueType="num">
+                                      <p:cBhvr additive="base">
+                                        <p:cTn id="7" dur="750" fill="hold"/>
+                                        <p:tgtEl>
+                                          <p:spTgt spid="2"/>
+                                        </p:tgtEl>
+                                        <p:attrNameLst>
+                                          <p:attrName>ppt_x</p:attrName>
+                                        </p:attrNameLst>
+                                      </p:cBhvr>
+                                      <p:tavLst>
+                                        <p:tav tm="0">
+                                          <p:val>
+                                            <p:strVal val="0-#ppt_w/2"/>
+                                          </p:val>
+                                        </p:tav>
+                                        <p:tav tm="100000">
+                                          <p:val>
+                                            <p:strVal val="#ppt_x"/>
+                                          </p:val>
+                                        </p:tav>
+                                      </p:tavLst>
+                                    </p:anim>
+                                    <p:anim calcmode="lin" valueType="num">
+                                      <p:cBhvr additive="base">
+                                        <p:cTn id="8" dur="750" fill="hold"/>
+                                        <p:tgtEl>
+                                          <p:spTgt spid="2"/>
+                                        </p:tgtEl>
+                                        <p:attrNameLst>
+                                          <p:attrName>ppt_y</p:attrName>
+                                        </p:attrNameLst>
+                                      </p:cBhvr>
+                                      <p:tavLst>
+                                        <p:tav tm="0">
+                                          <p:val>
+                                            <p:strVal val="#ppt_y"/>
+                                          </p:val>
+                                        </p:tav>
+                                        <p:tav tm="100000">
+                                          <p:val>
+                                            <p:strVal val="#ppt_y"/>
+                                          </p:val>
+                                        </p:tav>
+                                      </p:tavLst>
+                                    </p:anim>
+                                  </p:childTnLst>
+                                </p:cTn>
+                              </p:par>
+                            </p:childTnLst>
+                          </p:cTn>
+                        </p:par>
+                        <p:par>
+                          <p:cTn id="9" fill="hold">
+                            <p:stCondLst>
+                              <p:cond delay="750"/>
+                            </p:stCondLst>
+                            <p:childTnLst>
+                              <p:par>
+                                <p:cTn id="10" presetID="53" presetClass="entr" presetSubtype="16" fill="hold" grpId="0" nodeType="afterEffect">
+                                  <p:stCondLst>
+                                    <p:cond delay="0"/>
+                                  </p:stCondLst>
+                                  <p:iterate type="lt">
+                                    <p:tmPct val="10000"/>
+                                  </p:iterate>
+                                  <p:childTnLst>
+                                    <p:set>
+                                      <p:cBhvr>
+                                        <p:cTn id="11" dur="1" fill="hold">
+                                          <p:stCondLst>
+                                            <p:cond delay="0"/>
+                                          </p:stCondLst>
+                                        </p:cTn>
+                                        <p:tgtEl>
+                                          <p:spTgt spid="16"/>
+                                        </p:tgtEl>
+                                        <p:attrNameLst>
+                                          <p:attrName>style.visibility</p:attrName>
+                                        </p:attrNameLst>
+                                      </p:cBhvr>
+                                      <p:to>
+                                        <p:strVal val="visible"/>
+                                      </p:to>
+                                    </p:set>
+                                    <p:anim calcmode="lin" valueType="num">
+                                      <p:cBhvr>
+                                        <p:cTn id="12" dur="500" fill="hold"/>
+                                        <p:tgtEl>
+                                          <p:spTgt spid="16"/>
+                                        </p:tgtEl>
+                                        <p:attrNameLst>
+                                          <p:attrName>ppt_w</p:attrName>
+                                        </p:attrNameLst>
+                                      </p:cBhvr>
+                                      <p:tavLst>
+                                        <p:tav tm="0">
+                                          <p:val>
+                                            <p:fltVal val="0"/>
+                                          </p:val>
+                                        </p:tav>
+                                        <p:tav tm="100000">
+                                          <p:val>
+                                            <p:strVal val="#ppt_w"/>
+                                          </p:val>
+                                        </p:tav>
+                                      </p:tavLst>
+                                    </p:anim>
+                                    <p:anim calcmode="lin" valueType="num">
+                                      <p:cBhvr>
+                                        <p:cTn id="13" dur="500" fill="hold"/>
+                                        <p:tgtEl>
+                                          <p:spTgt spid="16"/>
+                                        </p:tgtEl>
+                                        <p:attrNameLst>
+                                          <p:attrName>ppt_h</p:attrName>
+                                        </p:attrNameLst>
+                                      </p:cBhvr>
+                                      <p:tavLst>
+                                        <p:tav tm="0">
+                                          <p:val>
+                                            <p:fltVal val="0"/>
+                                          </p:val>
+                                        </p:tav>
+                                        <p:tav tm="100000">
+                                          <p:val>
+                                            <p:strVal val="#ppt_h"/>
+                                          </p:val>
+                                        </p:tav>
+                                      </p:tavLst>
+                                    </p:anim>
+                                    <p:animEffect transition="in" filter="fade">
+                                      <p:cBhvr>
+                                        <p:cTn id="14" dur="500"/>
+                                        <p:tgtEl>
+                                          <p:spTgt spid="16"/>
+                                        </p:tgtEl>
+                                      </p:cBhvr>
+                                    </p:animEffect>
+                                  </p:childTnLst>
+                                </p:cTn>
+                              </p:par>
+                              <p:par>
+                                <p:cTn id="15" presetID="22" presetClass="entr" presetSubtype="2" fill="hold" nodeType="withEffect">
+                                  <p:stCondLst>
+                                    <p:cond delay="250"/>
+                                  </p:stCondLst>
+                                  <p:childTnLst>
+                                    <p:set>
+                                      <p:cBhvr>
+                                        <p:cTn id="16" dur="1" fill="hold">
+                                          <p:stCondLst>
+                                            <p:cond delay="0"/>
+                                          </p:stCondLst>
+                                        </p:cTn>
+                                        <p:tgtEl>
+                                          <p:spTgt spid="17"/>
+                                        </p:tgtEl>
+                                        <p:attrNameLst>
+                                          <p:attrName>style.visibility</p:attrName>
+                                        </p:attrNameLst>
+                                      </p:cBhvr>
+                                      <p:to>
+                                        <p:strVal val="visible"/>
+                                      </p:to>
+                                    </p:set>
+                                    <p:animEffect transition="in" filter="wipe(right)">
+                                      <p:cBhvr>
+                                        <p:cTn id="17" dur="750"/>
+                                        <p:tgtEl>
+                                          <p:spTgt spid="17"/>
+                                        </p:tgtEl>
+                                      </p:cBhvr>
+                                    </p:animEffect>
+                                  </p:childTnLst>
+                                </p:cTn>
+                              </p:par>
+                            </p:childTnLst>
+                          </p:cTn>
+                        </p:par>
+                      </p:childTnLst>
+                    </p:cTn>
+                  </p:par>
+                </p:childTnLst>
+              </p:cTn>
+              <p:prevCondLst>
+                <p:cond evt="onPrev" delay="0">
+                  <p:tgtEl>
+                    <p:sldTgt/>
+                  </p:tgtEl>
+                </p:cond>
+              </p:prevCondLst>
+              <p:nextCondLst>
+                <p:cond evt="onNext" delay="0">
+                  <p:tgtEl>
+                    <p:sldTgt/>
+                  </p:tgtEl>
+                </p:cond>
+              </p:nextCondLst>
+            </p:seq>
+          </p:childTnLst>
+        </p:cTn>
+      </p:par>
+    </p:tnLst>
+    <p:bldLst>
+      <p:bldP spid="16" grpId="0"/>
+    </p:bldLst>
+  </p:timing>
+</p:sld>
+</file>
+
+<file path=ppt/slides/slide3.xml><?xml version="1.0" encoding="utf-8"?>
+<p:sld xmlns:a="http://schemas.openxmlformats.org/drawingml/2006/main" xmlns:r="http://schemas.openxmlformats.org/officeDocument/2006/relationships" xmlns:p="http://schemas.openxmlformats.org/presentationml/2006/main">
+  <p:cSld>
+    <p:spTree>
+      <p:nvGrpSpPr>
+        <p:cNvPr id="1" name=""/>
+        <p:cNvGrpSpPr/>
+        <p:nvPr/>
+      </p:nvGrpSpPr>
+      <p:grpSpPr>
+        <a:xfrm>
+          <a:off x="0" y="0"/>
+          <a:ext cx="0" cy="0"/>
+          <a:chOff x="0" y="0"/>
+          <a:chExt cx="0" cy="0"/>
+        </a:xfrm>
+      </p:grpSpPr>
+      <p:grpSp>
+        <p:nvGrpSpPr>
+          <p:cNvPr id="2" name="1"/>
+          <p:cNvGrpSpPr/>
+          <p:nvPr/>
+        </p:nvGrpSpPr>
+        <p:grpSpPr>
+          <a:xfrm>
+            <a:off x="583060" y="342545"/>
+            <a:ext cx="637243" cy="227778"/>
+            <a:chOff x="264939" y="188640"/>
+            <a:chExt cx="604358" cy="216024"/>
+          </a:xfrm>
+          <a:solidFill>
+            <a:srgbClr val="0D4960"/>
+          </a:solidFill>
+        </p:grpSpPr>
+        <p:sp>
+          <p:nvSpPr>
+            <p:cNvPr id="13" name="燕尾形 12"/>
+            <p:cNvSpPr/>
+            <p:nvPr/>
+          </p:nvSpPr>
+          <p:spPr>
+            <a:xfrm>
+              <a:off x="264939" y="188640"/>
+              <a:ext cx="216024" cy="216024"/>
+            </a:xfrm>
+            <a:prstGeom prst="chevron">
+              <a:avLst/>
+            </a:prstGeom>
+            <a:grpFill/>
+            <a:ln>
+              <a:noFill/>
+            </a:ln>
+            <a:effectLst>
+              <a:outerShdw blurRad="63500" algn="ctr" rotWithShape="0">
+                <a:prstClr val="black">
+                  <a:alpha val="40000"/>
+                </a:prstClr>
+              </a:outerShdw>
+            </a:effectLst>
+          </p:spPr>
+          <p:txBody>
+            <a:bodyPr lIns="0" tIns="0" rIns="0" bIns="0" anchor="ctr"/>
+            <a:lstStyle/>
+            <a:p>
+              <a:endParaRPr lang="zh-CN" altLang="en-US" sz="900">
+                <a:solidFill>
+                  <a:srgbClr val="0070C0"/>
+                </a:solidFill>
+                <a:cs typeface="+mn-ea"/>
+              </a:endParaRPr>
+            </a:p>
+          </p:txBody>
+        </p:sp>
+        <p:sp>
+          <p:nvSpPr>
+            <p:cNvPr id="14" name="燕尾形 13"/>
+            <p:cNvSpPr/>
+            <p:nvPr/>
+          </p:nvSpPr>
+          <p:spPr>
+            <a:xfrm>
+              <a:off x="454914" y="188640"/>
+              <a:ext cx="216024" cy="216024"/>
+            </a:xfrm>
+            <a:prstGeom prst="chevron">
+              <a:avLst/>
+            </a:prstGeom>
+            <a:grpFill/>
+            <a:ln>
+              <a:noFill/>
+            </a:ln>
+            <a:effectLst>
+              <a:outerShdw blurRad="63500" algn="ctr" rotWithShape="0">
+                <a:prstClr val="black">
+                  <a:alpha val="40000"/>
+                </a:prstClr>
+              </a:outerShdw>
+            </a:effectLst>
+          </p:spPr>
+          <p:txBody>
+            <a:bodyPr lIns="0" tIns="0" rIns="0" bIns="0" anchor="ctr"/>
+            <a:lstStyle/>
+            <a:p>
+              <a:endParaRPr lang="zh-CN" altLang="en-US" sz="900">
+                <a:solidFill>
+                  <a:srgbClr val="0070C0"/>
+                </a:solidFill>
+                <a:cs typeface="+mn-ea"/>
+              </a:endParaRPr>
+            </a:p>
+          </p:txBody>
+        </p:sp>
+        <p:sp>
+          <p:nvSpPr>
+            <p:cNvPr id="15" name="燕尾形 14"/>
+            <p:cNvSpPr/>
+            <p:nvPr/>
+          </p:nvSpPr>
+          <p:spPr>
+            <a:xfrm>
+              <a:off x="653273" y="188640"/>
+              <a:ext cx="216024" cy="216024"/>
+            </a:xfrm>
+            <a:prstGeom prst="chevron">
+              <a:avLst/>
+            </a:prstGeom>
+            <a:grpFill/>
+            <a:ln>
+              <a:noFill/>
+            </a:ln>
+            <a:effectLst>
+              <a:outerShdw blurRad="63500" algn="ctr" rotWithShape="0">
+                <a:prstClr val="black">
+                  <a:alpha val="40000"/>
+                </a:prstClr>
+              </a:outerShdw>
+            </a:effectLst>
+          </p:spPr>
+          <p:txBody>
+            <a:bodyPr lIns="0" tIns="0" rIns="0" bIns="0" anchor="ctr"/>
+            <a:lstStyle/>
+            <a:p>
+              <a:endParaRPr lang="zh-CN" altLang="en-US" sz="900">
+                <a:solidFill>
+                  <a:srgbClr val="0070C0"/>
+                </a:solidFill>
+                <a:cs typeface="+mn-ea"/>
+              </a:endParaRPr>
+            </a:p>
+          </p:txBody>
+        </p:sp>
+      </p:grpSp>
+      <p:sp>
+        <p:nvSpPr>
+          <p:cNvPr id="16" name="2"/>
+          <p:cNvSpPr txBox="1"/>
+          <p:nvPr/>
+        </p:nvSpPr>
+        <p:spPr>
+          <a:xfrm>
+            <a:off x="1418247" y="211364"/>
+            <a:ext cx="5306644" cy="503905"/>
+          </a:xfrm>
+          <a:prstGeom prst="rect">
+            <a:avLst/>
+          </a:prstGeom>
+          <a:noFill/>
+        </p:spPr>
+        <p:txBody>
+          <a:bodyPr wrap="square" lIns="72312" tIns="36156" rIns="72312" bIns="36156" rtlCol="0">
+            <a:spAutoFit/>
+          </a:bodyPr>
+          <a:lstStyle/>
+          <a:p>
+            <a:pPr marL="0" lvl="1"/>
+            <a:r>
+              <a:rPr lang="zh-CN" altLang="en-US" sz="2800" spc="300" dirty="0">
+                <a:solidFill>
+                  <a:srgbClr val="0D4960"/>
+                </a:solidFill>
+                <a:latin typeface="方正尚酷简体" panose="03000509000000000000" pitchFamily="65" charset="-122"/>
+                <a:ea typeface="方正尚酷简体" panose="03000509000000000000" pitchFamily="65" charset="-122"/>
+              </a:rPr>
+              <a:t>配置</a:t>
+            </a:r>
+            <a:endParaRPr lang="en-US" altLang="zh-CN" sz="2800" spc="300" dirty="0">
+              <a:solidFill>
+                <a:srgbClr val="0D4960"/>
+              </a:solidFill>
+              <a:latin typeface="方正尚酷简体" panose="03000509000000000000" pitchFamily="65" charset="-122"/>
+              <a:ea typeface="方正尚酷简体" panose="03000509000000000000" pitchFamily="65" charset="-122"/>
+            </a:endParaRPr>
+          </a:p>
+        </p:txBody>
+      </p:sp>
+      <p:cxnSp>
+        <p:nvCxnSpPr>
+          <p:cNvPr id="17" name="3"/>
+          <p:cNvCxnSpPr/>
+          <p:nvPr/>
+        </p:nvCxnSpPr>
+        <p:spPr>
+          <a:xfrm>
+            <a:off x="1418247" y="761569"/>
+            <a:ext cx="10174106" cy="0"/>
+          </a:xfrm>
+          <a:prstGeom prst="line">
+            <a:avLst/>
+          </a:prstGeom>
+          <a:ln>
+            <a:solidFill>
+              <a:schemeClr val="bg1">
+                <a:lumMod val="75000"/>
+              </a:schemeClr>
+            </a:solidFill>
+          </a:ln>
+        </p:spPr>
+        <p:style>
+          <a:lnRef idx="1">
+            <a:schemeClr val="accent1"/>
+          </a:lnRef>
+          <a:fillRef idx="0">
+            <a:schemeClr val="accent1"/>
+          </a:fillRef>
+          <a:effectRef idx="0">
+            <a:schemeClr val="accent1"/>
+          </a:effectRef>
+          <a:fontRef idx="minor">
+            <a:schemeClr val="tx1"/>
+          </a:fontRef>
+        </p:style>
+      </p:cxnSp>
+      <p:graphicFrame>
+        <p:nvGraphicFramePr>
+          <p:cNvPr id="4" name="Table 3">
+            <a:extLst>
+              <a:ext uri="{FF2B5EF4-FFF2-40B4-BE49-F238E27FC236}">
+                <a16:creationId xmlns="" xmlns:a16="http://schemas.microsoft.com/office/drawing/2014/main" id="{03FD2017-379B-48AF-AA9A-FB3C7AE32DB0}"/>
+              </a:ext>
+            </a:extLst>
+          </p:cNvPr>
+          <p:cNvGraphicFramePr>
+            <a:graphicFrameLocks noGrp="1"/>
+          </p:cNvGraphicFramePr>
+          <p:nvPr>
+            <p:extLst>
+              <p:ext uri="{D42A27DB-BD31-4B8C-83A1-F6EECF244321}">
+                <p14:modId xmlns="" xmlns:p14="http://schemas.microsoft.com/office/powerpoint/2010/main" val="191805283"/>
+              </p:ext>
+            </p:extLst>
+          </p:nvPr>
+        </p:nvGraphicFramePr>
+        <p:xfrm>
+          <a:off x="583060" y="1214643"/>
+          <a:ext cx="3988940" cy="1483360"/>
+        </p:xfrm>
+        <a:graphic>
+          <a:graphicData uri="http://schemas.openxmlformats.org/drawingml/2006/table">
+            <a:tbl>
+              <a:tblPr firstRow="1" bandRow="1">
+                <a:tableStyleId>{93296810-A885-4BE3-A3E7-6D5BEEA58F35}</a:tableStyleId>
+              </a:tblPr>
+              <a:tblGrid>
+                <a:gridCol w="1994470">
+                  <a:extLst>
+                    <a:ext uri="{9D8B030D-6E8A-4147-A177-3AD203B41FA5}">
+                      <a16:colId xmlns="" xmlns:a16="http://schemas.microsoft.com/office/drawing/2014/main" val="1192428797"/>
+                    </a:ext>
+                  </a:extLst>
+                </a:gridCol>
+                <a:gridCol w="1994470">
+                  <a:extLst>
+                    <a:ext uri="{9D8B030D-6E8A-4147-A177-3AD203B41FA5}">
+                      <a16:colId xmlns="" xmlns:a16="http://schemas.microsoft.com/office/drawing/2014/main" val="3030332615"/>
+                    </a:ext>
+                  </a:extLst>
+                </a:gridCol>
+              </a:tblGrid>
+              <a:tr h="370840">
+                <a:tc>
+                  <a:txBody>
+                    <a:bodyPr/>
+                    <a:lstStyle/>
+                    <a:p>
+                      <a:pPr algn="ctr"/>
+                      <a:r>
+                        <a:rPr lang="zh-CN" altLang="en-US" dirty="0"/>
+                        <a:t>服务器</a:t>
+                      </a:r>
+                      <a:r>
+                        <a:rPr lang="en-US" altLang="zh-CN" dirty="0"/>
+                        <a:t>Centos7</a:t>
+                      </a:r>
+                      <a:endParaRPr lang="en-US" dirty="0"/>
+                    </a:p>
+                  </a:txBody>
+                  <a:tcPr/>
+                </a:tc>
+                <a:tc>
+                  <a:txBody>
+                    <a:bodyPr/>
+                    <a:lstStyle/>
+                    <a:p>
+                      <a:pPr algn="ctr"/>
+                      <a:r>
+                        <a:rPr lang="zh-CN" altLang="en-US" dirty="0"/>
+                        <a:t>编号</a:t>
+                      </a:r>
+                      <a:r>
+                        <a:rPr lang="en-US" altLang="zh-CN" dirty="0"/>
+                        <a:t>/</a:t>
+                      </a:r>
+                      <a:r>
+                        <a:rPr lang="zh-CN" altLang="en-US" dirty="0"/>
+                        <a:t>端口</a:t>
+                      </a:r>
+                      <a:r>
+                        <a:rPr lang="en-US" altLang="zh-CN" dirty="0"/>
+                        <a:t>/</a:t>
+                      </a:r>
+                      <a:r>
+                        <a:rPr lang="zh-CN" altLang="en-US" dirty="0"/>
+                        <a:t>端口</a:t>
+                      </a:r>
+                      <a:endParaRPr lang="en-US" dirty="0"/>
+                    </a:p>
+                  </a:txBody>
+                  <a:tcPr/>
+                </a:tc>
+                <a:extLst>
+                  <a:ext uri="{0D108BD9-81ED-4DB2-BD59-A6C34878D82A}">
+                    <a16:rowId xmlns="" xmlns:a16="http://schemas.microsoft.com/office/drawing/2014/main" val="3779552813"/>
+                  </a:ext>
+                </a:extLst>
+              </a:tr>
+              <a:tr h="370840">
+                <a:tc>
+                  <a:txBody>
+                    <a:bodyPr/>
+                    <a:lstStyle/>
+                    <a:p>
+                      <a:pPr algn="ctr"/>
+                      <a:r>
+                        <a:rPr lang="en-US" dirty="0" smtClean="0"/>
+                        <a:t>192.168.1.2</a:t>
+                      </a:r>
+                      <a:r>
+                        <a:rPr lang="en-US" altLang="zh-CN" dirty="0" smtClean="0"/>
+                        <a:t>00</a:t>
+                      </a:r>
+                      <a:endParaRPr lang="en-US" dirty="0"/>
+                    </a:p>
+                  </a:txBody>
+                  <a:tcPr/>
+                </a:tc>
+                <a:tc>
+                  <a:txBody>
+                    <a:bodyPr/>
+                    <a:lstStyle/>
+                    <a:p>
+                      <a:pPr algn="ctr"/>
+                      <a:r>
+                        <a:rPr lang="en-US" altLang="zh-CN" dirty="0" smtClean="0"/>
+                        <a:t>200</a:t>
+                      </a:r>
+                      <a:r>
+                        <a:rPr lang="en-US" dirty="0" smtClean="0"/>
+                        <a:t> </a:t>
+                      </a:r>
+                      <a:r>
+                        <a:rPr lang="en-US" dirty="0"/>
+                        <a:t>/ 2888 / 3888</a:t>
+                      </a:r>
+                    </a:p>
+                  </a:txBody>
+                  <a:tcPr/>
+                </a:tc>
+                <a:extLst>
+                  <a:ext uri="{0D108BD9-81ED-4DB2-BD59-A6C34878D82A}">
+                    <a16:rowId xmlns="" xmlns:a16="http://schemas.microsoft.com/office/drawing/2014/main" val="3170094617"/>
+                  </a:ext>
+                </a:extLst>
+              </a:tr>
+              <a:tr h="370840">
+                <a:tc>
+                  <a:txBody>
+                    <a:bodyPr/>
+                    <a:lstStyle/>
+                    <a:p>
+                      <a:pPr algn="ctr"/>
+                      <a:r>
+                        <a:rPr lang="en-US" dirty="0" smtClean="0"/>
+                        <a:t>192.168.1.2</a:t>
+                      </a:r>
+                      <a:r>
+                        <a:rPr lang="en-US" altLang="zh-CN" dirty="0" smtClean="0"/>
+                        <a:t>01</a:t>
+                      </a:r>
+                      <a:endParaRPr lang="en-US" dirty="0"/>
+                    </a:p>
+                  </a:txBody>
+                  <a:tcPr/>
+                </a:tc>
+                <a:tc>
+                  <a:txBody>
+                    <a:bodyPr/>
+                    <a:lstStyle/>
+                    <a:p>
+                      <a:pPr marL="0" marR="0" lvl="0" indent="0" algn="ctr" defTabSz="914400" rtl="0" eaLnBrk="1" fontAlgn="auto" latinLnBrk="0" hangingPunct="1">
+                        <a:lnSpc>
+                          <a:spcPct val="100000"/>
+                        </a:lnSpc>
+                        <a:spcBef>
+                          <a:spcPts val="0"/>
+                        </a:spcBef>
+                        <a:spcAft>
+                          <a:spcPts val="0"/>
+                        </a:spcAft>
+                        <a:buClrTx/>
+                        <a:buSzTx/>
+                        <a:buFontTx/>
+                        <a:buNone/>
+                        <a:tabLst/>
+                        <a:defRPr/>
+                      </a:pPr>
+                      <a:r>
+                        <a:rPr lang="en-US" altLang="zh-CN" dirty="0" smtClean="0"/>
+                        <a:t>201</a:t>
+                      </a:r>
+                      <a:r>
+                        <a:rPr lang="en-US" dirty="0" smtClean="0"/>
+                        <a:t> </a:t>
+                      </a:r>
+                      <a:r>
+                        <a:rPr lang="en-US" dirty="0"/>
+                        <a:t>/ 2888 / 3888</a:t>
+                      </a:r>
+                    </a:p>
+                  </a:txBody>
+                  <a:tcPr/>
+                </a:tc>
+                <a:extLst>
+                  <a:ext uri="{0D108BD9-81ED-4DB2-BD59-A6C34878D82A}">
+                    <a16:rowId xmlns="" xmlns:a16="http://schemas.microsoft.com/office/drawing/2014/main" val="1064764339"/>
+                  </a:ext>
+                </a:extLst>
+              </a:tr>
+              <a:tr h="370840">
+                <a:tc>
+                  <a:txBody>
+                    <a:bodyPr/>
+                    <a:lstStyle/>
+                    <a:p>
+                      <a:pPr algn="ctr"/>
+                      <a:r>
+                        <a:rPr lang="en-US" dirty="0" smtClean="0"/>
+                        <a:t>192.168.1.2</a:t>
+                      </a:r>
+                      <a:r>
+                        <a:rPr lang="en-US" altLang="zh-CN" dirty="0" smtClean="0"/>
+                        <a:t>02</a:t>
+                      </a:r>
+                      <a:endParaRPr lang="en-US" dirty="0"/>
+                    </a:p>
+                  </a:txBody>
+                  <a:tcPr/>
+                </a:tc>
+                <a:tc>
+                  <a:txBody>
+                    <a:bodyPr/>
+                    <a:lstStyle/>
+                    <a:p>
+                      <a:pPr marL="0" marR="0" lvl="0" indent="0" algn="ctr" defTabSz="914400" rtl="0" eaLnBrk="1" fontAlgn="auto" latinLnBrk="0" hangingPunct="1">
+                        <a:lnSpc>
+                          <a:spcPct val="100000"/>
+                        </a:lnSpc>
+                        <a:spcBef>
+                          <a:spcPts val="0"/>
+                        </a:spcBef>
+                        <a:spcAft>
+                          <a:spcPts val="0"/>
+                        </a:spcAft>
+                        <a:buClrTx/>
+                        <a:buSzTx/>
+                        <a:buFontTx/>
+                        <a:buNone/>
+                        <a:tabLst/>
+                        <a:defRPr/>
+                      </a:pPr>
+                      <a:r>
+                        <a:rPr lang="en-US" altLang="zh-CN" dirty="0" smtClean="0"/>
+                        <a:t>202</a:t>
+                      </a:r>
+                      <a:r>
+                        <a:rPr lang="en-US" dirty="0" smtClean="0"/>
+                        <a:t> </a:t>
+                      </a:r>
+                      <a:r>
+                        <a:rPr lang="en-US" dirty="0"/>
+                        <a:t>/ 2888 / 3888</a:t>
+                      </a:r>
+                    </a:p>
+                  </a:txBody>
+                  <a:tcPr/>
+                </a:tc>
+                <a:extLst>
+                  <a:ext uri="{0D108BD9-81ED-4DB2-BD59-A6C34878D82A}">
+                    <a16:rowId xmlns="" xmlns:a16="http://schemas.microsoft.com/office/drawing/2014/main" val="1799974999"/>
+                  </a:ext>
+                </a:extLst>
+              </a:tr>
+            </a:tbl>
+          </a:graphicData>
+        </a:graphic>
+      </p:graphicFrame>
+      <p:sp>
+        <p:nvSpPr>
+          <p:cNvPr id="5" name="Rectangle: Rounded Corners 4">
+            <a:extLst>
+              <a:ext uri="{FF2B5EF4-FFF2-40B4-BE49-F238E27FC236}">
+                <a16:creationId xmlns="" xmlns:a16="http://schemas.microsoft.com/office/drawing/2014/main" id="{F44BD43D-D6E7-4B49-AD28-7A4A998525D0}"/>
+              </a:ext>
+            </a:extLst>
+          </p:cNvPr>
+          <p:cNvSpPr/>
+          <p:nvPr/>
+        </p:nvSpPr>
+        <p:spPr>
+          <a:xfrm>
+            <a:off x="5080041" y="1003610"/>
+            <a:ext cx="4967208" cy="3245003"/>
+          </a:xfrm>
+          <a:prstGeom prst="roundRect">
+            <a:avLst/>
+          </a:prstGeom>
+        </p:spPr>
+        <p:style>
+          <a:lnRef idx="2">
+            <a:schemeClr val="accent4"/>
+          </a:lnRef>
+          <a:fillRef idx="1">
+            <a:schemeClr val="lt1"/>
+          </a:fillRef>
+          <a:effectRef idx="0">
+            <a:schemeClr val="accent4"/>
+          </a:effectRef>
+          <a:fontRef idx="minor">
+            <a:schemeClr val="dk1"/>
+          </a:fontRef>
+        </p:style>
+        <p:txBody>
+          <a:bodyPr rtlCol="0" anchor="t"/>
+          <a:lstStyle/>
+          <a:p>
+            <a:r>
+              <a:rPr lang="en-US" dirty="0"/>
+              <a:t>cd zookeeper-3.4.12</a:t>
+            </a:r>
+          </a:p>
+          <a:p>
+            <a:r>
+              <a:rPr lang="en-US" dirty="0"/>
+              <a:t>cd conf</a:t>
+            </a:r>
+          </a:p>
+          <a:p>
+            <a:r>
+              <a:rPr lang="en-US" dirty="0"/>
+              <a:t>mv </a:t>
+            </a:r>
+            <a:r>
+              <a:rPr lang="en-US" dirty="0" err="1"/>
+              <a:t>zoo_sample.cfg</a:t>
+            </a:r>
+            <a:r>
+              <a:rPr lang="en-US" dirty="0"/>
+              <a:t> </a:t>
+            </a:r>
+            <a:r>
+              <a:rPr lang="en-US" dirty="0" err="1"/>
+              <a:t>zoo.cfg</a:t>
+            </a:r>
+            <a:endParaRPr lang="en-US" dirty="0"/>
+          </a:p>
+          <a:p>
+            <a:r>
+              <a:rPr lang="en-US" dirty="0"/>
+              <a:t>vi </a:t>
+            </a:r>
+            <a:r>
+              <a:rPr lang="en-US" dirty="0" err="1"/>
+              <a:t>zoo.cfg</a:t>
+            </a:r>
+            <a:endParaRPr lang="en-US" dirty="0"/>
+          </a:p>
+          <a:p>
+            <a:endParaRPr lang="en-US" dirty="0"/>
+          </a:p>
+          <a:p>
+            <a:endParaRPr lang="en-US" dirty="0"/>
+          </a:p>
+          <a:p>
+            <a:endParaRPr lang="en-US" dirty="0"/>
+          </a:p>
+          <a:p>
+            <a:r>
+              <a:rPr lang="en-US" dirty="0" err="1"/>
+              <a:t>cd</a:t>
+            </a:r>
+            <a:r>
+              <a:rPr lang="en-US" dirty="0"/>
+              <a:t> </a:t>
+            </a:r>
+            <a:r>
+              <a:rPr lang="en-US" dirty="0" smtClean="0"/>
+              <a:t>zookeeper/data</a:t>
+            </a:r>
+            <a:endParaRPr lang="en-US" dirty="0"/>
+          </a:p>
+          <a:p>
+            <a:r>
+              <a:rPr lang="en-US" dirty="0"/>
+              <a:t>touch </a:t>
+            </a:r>
+            <a:r>
+              <a:rPr lang="en-US" dirty="0" err="1"/>
+              <a:t>myid</a:t>
+            </a:r>
+            <a:endParaRPr lang="en-US" dirty="0"/>
+          </a:p>
+          <a:p>
+            <a:r>
+              <a:rPr lang="en-US" dirty="0"/>
+              <a:t>vi </a:t>
+            </a:r>
+            <a:r>
+              <a:rPr lang="en-US" dirty="0" err="1"/>
+              <a:t>myid</a:t>
+            </a:r>
+            <a:r>
+              <a:rPr lang="en-US" dirty="0"/>
+              <a:t> (</a:t>
+            </a:r>
+            <a:r>
+              <a:rPr lang="zh-CN" altLang="en-US" dirty="0"/>
+              <a:t>配置文件中声明的服务器编</a:t>
+            </a:r>
+            <a:r>
+              <a:rPr lang="zh-CN" altLang="en-US" dirty="0" smtClean="0"/>
+              <a:t>号</a:t>
+            </a:r>
+            <a:r>
+              <a:rPr lang="en-US" dirty="0" smtClean="0"/>
+              <a:t>)</a:t>
+            </a:r>
+            <a:endParaRPr lang="en-US" dirty="0"/>
+          </a:p>
+        </p:txBody>
+      </p:sp>
+      <p:cxnSp>
+        <p:nvCxnSpPr>
+          <p:cNvPr id="18" name="Straight Arrow Connector 17">
+            <a:extLst>
+              <a:ext uri="{FF2B5EF4-FFF2-40B4-BE49-F238E27FC236}">
+                <a16:creationId xmlns="" xmlns:a16="http://schemas.microsoft.com/office/drawing/2014/main" id="{C8470B2C-B355-4DDB-B351-34DE697606F9}"/>
+              </a:ext>
+            </a:extLst>
+          </p:cNvPr>
+          <p:cNvCxnSpPr>
+            <a:cxnSpLocks/>
+            <a:endCxn id="19" idx="0"/>
+          </p:cNvCxnSpPr>
+          <p:nvPr/>
+        </p:nvCxnSpPr>
+        <p:spPr>
+          <a:xfrm flipH="1">
+            <a:off x="2606928" y="2163337"/>
+            <a:ext cx="3055641" cy="1178985"/>
+          </a:xfrm>
+          <a:prstGeom prst="straightConnector1">
+            <a:avLst/>
+          </a:prstGeom>
+          <a:ln>
+            <a:tailEnd type="triangle"/>
+          </a:ln>
+        </p:spPr>
+        <p:style>
+          <a:lnRef idx="3">
+            <a:schemeClr val="accent2"/>
+          </a:lnRef>
+          <a:fillRef idx="0">
+            <a:schemeClr val="accent2"/>
+          </a:fillRef>
+          <a:effectRef idx="2">
+            <a:schemeClr val="accent2"/>
+          </a:effectRef>
+          <a:fontRef idx="minor">
+            <a:schemeClr val="tx1"/>
+          </a:fontRef>
+        </p:style>
+      </p:cxnSp>
+      <p:sp>
+        <p:nvSpPr>
+          <p:cNvPr id="19" name="Rectangle: Rounded Corners 18">
+            <a:extLst>
+              <a:ext uri="{FF2B5EF4-FFF2-40B4-BE49-F238E27FC236}">
+                <a16:creationId xmlns="" xmlns:a16="http://schemas.microsoft.com/office/drawing/2014/main" id="{AF1D24BF-8D6C-44DB-95E6-FE63C41851A4}"/>
+              </a:ext>
+            </a:extLst>
+          </p:cNvPr>
+          <p:cNvSpPr/>
+          <p:nvPr/>
+        </p:nvSpPr>
+        <p:spPr>
+          <a:xfrm>
+            <a:off x="582981" y="3342322"/>
+            <a:ext cx="4047893" cy="2754107"/>
+          </a:xfrm>
+          <a:prstGeom prst="roundRect">
+            <a:avLst/>
+          </a:prstGeom>
+        </p:spPr>
+        <p:style>
+          <a:lnRef idx="2">
+            <a:schemeClr val="accent1">
+              <a:shade val="50000"/>
+            </a:schemeClr>
+          </a:lnRef>
+          <a:fillRef idx="1">
+            <a:schemeClr val="accent1"/>
+          </a:fillRef>
+          <a:effectRef idx="0">
+            <a:schemeClr val="accent1"/>
+          </a:effectRef>
+          <a:fontRef idx="minor">
+            <a:schemeClr val="lt1"/>
+          </a:fontRef>
+        </p:style>
+        <p:txBody>
+          <a:bodyPr rtlCol="0" anchor="ctr"/>
+          <a:lstStyle/>
+          <a:p>
+            <a:r>
+              <a:rPr lang="en-US" dirty="0" err="1"/>
+              <a:t>tickTime</a:t>
+            </a:r>
+            <a:r>
+              <a:rPr lang="en-US" dirty="0"/>
+              <a:t>=2000</a:t>
+            </a:r>
+          </a:p>
+          <a:p>
+            <a:r>
+              <a:rPr lang="en-US" dirty="0" err="1" smtClean="0"/>
+              <a:t>dataDir</a:t>
+            </a:r>
+            <a:r>
+              <a:rPr lang="en-US" dirty="0" smtClean="0"/>
+              <a:t>=zookeeper/data</a:t>
+            </a:r>
+            <a:endParaRPr lang="en-US" dirty="0"/>
+          </a:p>
+          <a:p>
+            <a:r>
+              <a:rPr lang="en-US" dirty="0" err="1" smtClean="0"/>
+              <a:t>dataLogDir</a:t>
+            </a:r>
+            <a:r>
+              <a:rPr lang="en-US" dirty="0" smtClean="0"/>
+              <a:t>=zookeeper/logs</a:t>
+            </a:r>
+            <a:endParaRPr lang="en-US" dirty="0"/>
+          </a:p>
+          <a:p>
+            <a:r>
+              <a:rPr lang="en-US" dirty="0" err="1"/>
+              <a:t>clientPort</a:t>
+            </a:r>
+            <a:r>
+              <a:rPr lang="en-US" dirty="0"/>
+              <a:t>=2181</a:t>
+            </a:r>
+          </a:p>
+          <a:p>
+            <a:r>
+              <a:rPr lang="en-US" dirty="0" err="1"/>
+              <a:t>initLimit</a:t>
+            </a:r>
+            <a:r>
+              <a:rPr lang="en-US" dirty="0"/>
+              <a:t>=5</a:t>
+            </a:r>
+          </a:p>
+          <a:p>
+            <a:r>
+              <a:rPr lang="en-US" dirty="0" err="1"/>
+              <a:t>syncLimit</a:t>
+            </a:r>
+            <a:r>
+              <a:rPr lang="en-US" dirty="0"/>
+              <a:t>=2</a:t>
+            </a:r>
+          </a:p>
+          <a:p>
+            <a:r>
+              <a:rPr lang="en-US" dirty="0" smtClean="0"/>
+              <a:t>server.1=192.168.1.2</a:t>
+            </a:r>
+            <a:r>
+              <a:rPr lang="en-US" altLang="zh-CN" dirty="0" smtClean="0"/>
+              <a:t>00</a:t>
+            </a:r>
+            <a:r>
+              <a:rPr lang="en-US" dirty="0" smtClean="0"/>
+              <a:t>:2888:3888</a:t>
+            </a:r>
+            <a:endParaRPr lang="en-US" dirty="0"/>
+          </a:p>
+          <a:p>
+            <a:r>
+              <a:rPr lang="en-US" dirty="0" smtClean="0"/>
+              <a:t>server.2=192.168.1.2</a:t>
+            </a:r>
+            <a:r>
+              <a:rPr lang="en-US" altLang="zh-CN" dirty="0" smtClean="0"/>
+              <a:t>01</a:t>
+            </a:r>
+            <a:r>
+              <a:rPr lang="en-US" dirty="0" smtClean="0"/>
+              <a:t>:2888:3888</a:t>
+            </a:r>
+            <a:endParaRPr lang="en-US" dirty="0"/>
+          </a:p>
+          <a:p>
+            <a:r>
+              <a:rPr lang="en-US" smtClean="0"/>
+              <a:t>server.3=192.168.1.2</a:t>
+            </a:r>
+            <a:r>
+              <a:rPr lang="en-US" altLang="zh-CN" smtClean="0"/>
+              <a:t>02</a:t>
+            </a:r>
+            <a:r>
+              <a:rPr lang="en-US" smtClean="0"/>
+              <a:t>:2888:3888</a:t>
+            </a:r>
+            <a:endParaRPr lang="en-US" dirty="0"/>
+          </a:p>
+        </p:txBody>
+      </p:sp>
+      <p:cxnSp>
+        <p:nvCxnSpPr>
+          <p:cNvPr id="28" name="Connector: Curved 27">
+            <a:extLst>
+              <a:ext uri="{FF2B5EF4-FFF2-40B4-BE49-F238E27FC236}">
+                <a16:creationId xmlns="" xmlns:a16="http://schemas.microsoft.com/office/drawing/2014/main" id="{4095E972-7815-49CE-B503-7A51B5BF2F57}"/>
+              </a:ext>
+            </a:extLst>
+          </p:cNvPr>
+          <p:cNvCxnSpPr>
+            <a:cxnSpLocks/>
+          </p:cNvCxnSpPr>
+          <p:nvPr/>
+        </p:nvCxnSpPr>
+        <p:spPr>
+          <a:xfrm rot="16200000" flipV="1">
+            <a:off x="569351" y="3245311"/>
+            <a:ext cx="3546088" cy="556947"/>
+          </a:xfrm>
+          <a:prstGeom prst="curvedConnector3">
+            <a:avLst>
+              <a:gd name="adj1" fmla="val 50000"/>
+            </a:avLst>
+          </a:prstGeom>
+          <a:ln>
+            <a:tailEnd type="triangle"/>
+          </a:ln>
+        </p:spPr>
+        <p:style>
+          <a:lnRef idx="3">
+            <a:schemeClr val="accent2"/>
+          </a:lnRef>
+          <a:fillRef idx="0">
+            <a:schemeClr val="accent2"/>
+          </a:fillRef>
+          <a:effectRef idx="2">
+            <a:schemeClr val="accent2"/>
+          </a:effectRef>
+          <a:fontRef idx="minor">
+            <a:schemeClr val="tx1"/>
+          </a:fontRef>
+        </p:style>
+      </p:cxnSp>
+      <p:cxnSp>
+        <p:nvCxnSpPr>
+          <p:cNvPr id="31" name="Connector: Curved 30">
+            <a:extLst>
+              <a:ext uri="{FF2B5EF4-FFF2-40B4-BE49-F238E27FC236}">
+                <a16:creationId xmlns="" xmlns:a16="http://schemas.microsoft.com/office/drawing/2014/main" id="{F56B7082-8B12-44BB-ADF0-54898EB9FC06}"/>
+              </a:ext>
+            </a:extLst>
+          </p:cNvPr>
+          <p:cNvCxnSpPr>
+            <a:cxnSpLocks/>
+          </p:cNvCxnSpPr>
+          <p:nvPr/>
+        </p:nvCxnSpPr>
+        <p:spPr>
+          <a:xfrm rot="16200000" flipV="1">
+            <a:off x="451879" y="3640715"/>
+            <a:ext cx="3408321" cy="453565"/>
+          </a:xfrm>
+          <a:prstGeom prst="curvedConnector3">
+            <a:avLst/>
+          </a:prstGeom>
+          <a:ln>
+            <a:tailEnd type="triangle"/>
+          </a:ln>
+        </p:spPr>
+        <p:style>
+          <a:lnRef idx="3">
+            <a:schemeClr val="accent2"/>
+          </a:lnRef>
+          <a:fillRef idx="0">
+            <a:schemeClr val="accent2"/>
+          </a:fillRef>
+          <a:effectRef idx="2">
+            <a:schemeClr val="accent2"/>
+          </a:effectRef>
+          <a:fontRef idx="minor">
+            <a:schemeClr val="tx1"/>
+          </a:fontRef>
+        </p:style>
+      </p:cxnSp>
+      <p:cxnSp>
+        <p:nvCxnSpPr>
+          <p:cNvPr id="33" name="Connector: Curved 32">
+            <a:extLst>
+              <a:ext uri="{FF2B5EF4-FFF2-40B4-BE49-F238E27FC236}">
+                <a16:creationId xmlns="" xmlns:a16="http://schemas.microsoft.com/office/drawing/2014/main" id="{F87A09E2-7F23-4B63-A5FA-2BC0ECB4E620}"/>
+              </a:ext>
+            </a:extLst>
+          </p:cNvPr>
+          <p:cNvCxnSpPr>
+            <a:cxnSpLocks/>
+          </p:cNvCxnSpPr>
+          <p:nvPr/>
+        </p:nvCxnSpPr>
+        <p:spPr>
+          <a:xfrm rot="16200000" flipV="1">
+            <a:off x="308699" y="3967136"/>
+            <a:ext cx="3301598" cy="429981"/>
+          </a:xfrm>
+          <a:prstGeom prst="curvedConnector3">
+            <a:avLst/>
+          </a:prstGeom>
+          <a:ln>
+            <a:tailEnd type="triangle"/>
+          </a:ln>
+        </p:spPr>
+        <p:style>
+          <a:lnRef idx="3">
+            <a:schemeClr val="accent2"/>
+          </a:lnRef>
+          <a:fillRef idx="0">
+            <a:schemeClr val="accent2"/>
+          </a:fillRef>
+          <a:effectRef idx="2">
+            <a:schemeClr val="accent2"/>
+          </a:effectRef>
+          <a:fontRef idx="minor">
+            <a:schemeClr val="tx1"/>
+          </a:fontRef>
+        </p:style>
+      </p:cxnSp>
+      <p:cxnSp>
+        <p:nvCxnSpPr>
+          <p:cNvPr id="9" name="Straight Arrow Connector 8">
+            <a:extLst>
+              <a:ext uri="{FF2B5EF4-FFF2-40B4-BE49-F238E27FC236}">
+                <a16:creationId xmlns="" xmlns:a16="http://schemas.microsoft.com/office/drawing/2014/main" id="{9FC1ED75-3AC9-4D6C-9371-6D819E823677}"/>
+              </a:ext>
+            </a:extLst>
+          </p:cNvPr>
+          <p:cNvCxnSpPr>
+            <a:cxnSpLocks/>
+          </p:cNvCxnSpPr>
+          <p:nvPr/>
+        </p:nvCxnSpPr>
+        <p:spPr>
+          <a:xfrm flipH="1">
+            <a:off x="3846694" y="3362092"/>
+            <a:ext cx="1681210" cy="574288"/>
+          </a:xfrm>
+          <a:prstGeom prst="straightConnector1">
+            <a:avLst/>
+          </a:prstGeom>
+          <a:ln>
+            <a:tailEnd type="triangle"/>
+          </a:ln>
+        </p:spPr>
+        <p:style>
+          <a:lnRef idx="3">
+            <a:schemeClr val="accent2"/>
+          </a:lnRef>
+          <a:fillRef idx="0">
+            <a:schemeClr val="accent2"/>
+          </a:fillRef>
+          <a:effectRef idx="2">
+            <a:schemeClr val="accent2"/>
+          </a:effectRef>
+          <a:fontRef idx="minor">
+            <a:schemeClr val="tx1"/>
+          </a:fontRef>
+        </p:style>
+      </p:cxnSp>
+      <p:cxnSp>
+        <p:nvCxnSpPr>
+          <p:cNvPr id="46" name="Straight Arrow Connector 45">
+            <a:extLst>
+              <a:ext uri="{FF2B5EF4-FFF2-40B4-BE49-F238E27FC236}">
+                <a16:creationId xmlns="" xmlns:a16="http://schemas.microsoft.com/office/drawing/2014/main" id="{7BA8E127-16B2-4189-8CA3-18E708061949}"/>
+              </a:ext>
+            </a:extLst>
+          </p:cNvPr>
+          <p:cNvCxnSpPr>
+            <a:cxnSpLocks/>
+            <a:endCxn id="48" idx="1"/>
+          </p:cNvCxnSpPr>
+          <p:nvPr/>
+        </p:nvCxnSpPr>
+        <p:spPr>
+          <a:xfrm flipH="1">
+            <a:off x="1714448" y="3826820"/>
+            <a:ext cx="4027576" cy="1744838"/>
+          </a:xfrm>
+          <a:prstGeom prst="straightConnector1">
+            <a:avLst/>
+          </a:prstGeom>
+          <a:ln>
+            <a:tailEnd type="triangle"/>
+          </a:ln>
+        </p:spPr>
+        <p:style>
+          <a:lnRef idx="3">
+            <a:schemeClr val="accent2"/>
+          </a:lnRef>
+          <a:fillRef idx="0">
+            <a:schemeClr val="accent2"/>
+          </a:fillRef>
+          <a:effectRef idx="2">
+            <a:schemeClr val="accent2"/>
+          </a:effectRef>
+          <a:fontRef idx="minor">
+            <a:schemeClr val="tx1"/>
+          </a:fontRef>
+        </p:style>
+      </p:cxnSp>
+      <p:sp>
+        <p:nvSpPr>
+          <p:cNvPr id="48" name="Right Brace 47">
+            <a:extLst>
+              <a:ext uri="{FF2B5EF4-FFF2-40B4-BE49-F238E27FC236}">
+                <a16:creationId xmlns="" xmlns:a16="http://schemas.microsoft.com/office/drawing/2014/main" id="{DFEB53DD-1125-42B3-96A6-400BAEF5EDEF}"/>
+              </a:ext>
+            </a:extLst>
+          </p:cNvPr>
+          <p:cNvSpPr/>
+          <p:nvPr/>
+        </p:nvSpPr>
+        <p:spPr>
+          <a:xfrm>
+            <a:off x="1529698" y="5221178"/>
+            <a:ext cx="184750" cy="700960"/>
+          </a:xfrm>
+          <a:prstGeom prst="rightBrace">
+            <a:avLst/>
+          </a:prstGeom>
+        </p:spPr>
+        <p:style>
+          <a:lnRef idx="3">
+            <a:schemeClr val="accent4"/>
+          </a:lnRef>
+          <a:fillRef idx="0">
+            <a:schemeClr val="accent4"/>
+          </a:fillRef>
+          <a:effectRef idx="2">
+            <a:schemeClr val="accent4"/>
+          </a:effectRef>
+          <a:fontRef idx="minor">
+            <a:schemeClr val="tx1"/>
+          </a:fontRef>
+        </p:style>
+        <p:txBody>
+          <a:bodyPr rtlCol="0" anchor="ctr"/>
+          <a:lstStyle/>
+          <a:p>
+            <a:pPr algn="ctr"/>
+            <a:endParaRPr lang="en-US"/>
+          </a:p>
+        </p:txBody>
+      </p:sp>
+      <p:sp>
+        <p:nvSpPr>
+          <p:cNvPr id="50" name="Rectangle: Rounded Corners 49">
+            <a:extLst>
+              <a:ext uri="{FF2B5EF4-FFF2-40B4-BE49-F238E27FC236}">
+                <a16:creationId xmlns="" xmlns:a16="http://schemas.microsoft.com/office/drawing/2014/main" id="{805E818F-1534-4CF3-B210-FABE2B9977D5}"/>
+              </a:ext>
+            </a:extLst>
+          </p:cNvPr>
+          <p:cNvSpPr/>
+          <p:nvPr/>
+        </p:nvSpPr>
+        <p:spPr>
+          <a:xfrm>
+            <a:off x="5704553" y="4815769"/>
+            <a:ext cx="2531327" cy="546410"/>
+          </a:xfrm>
+          <a:prstGeom prst="roundRect">
+            <a:avLst/>
+          </a:prstGeom>
+        </p:spPr>
+        <p:style>
+          <a:lnRef idx="2">
+            <a:schemeClr val="accent1">
+              <a:shade val="50000"/>
+            </a:schemeClr>
+          </a:lnRef>
+          <a:fillRef idx="1">
+            <a:schemeClr val="accent1"/>
+          </a:fillRef>
+          <a:effectRef idx="0">
+            <a:schemeClr val="accent1"/>
+          </a:effectRef>
+          <a:fontRef idx="minor">
+            <a:schemeClr val="lt1"/>
+          </a:fontRef>
+        </p:style>
+        <p:txBody>
+          <a:bodyPr rtlCol="0" anchor="ctr"/>
+          <a:lstStyle/>
+          <a:p>
+            <a:pPr algn="ctr"/>
+            <a:r>
+              <a:rPr lang="zh-CN" altLang="en-US" dirty="0"/>
+              <a:t>启动</a:t>
+            </a:r>
+            <a:endParaRPr lang="en-US" altLang="zh-CN" dirty="0"/>
+          </a:p>
+          <a:p>
+            <a:pPr algn="ctr"/>
+            <a:r>
+              <a:rPr lang="en-US" dirty="0"/>
+              <a:t>bin/zkServer.sh start</a:t>
+            </a:r>
+          </a:p>
+        </p:txBody>
+      </p:sp>
+      <p:sp>
+        <p:nvSpPr>
+          <p:cNvPr id="20" name="Rectangle: Rounded Corners 19">
+            <a:extLst>
+              <a:ext uri="{FF2B5EF4-FFF2-40B4-BE49-F238E27FC236}">
+                <a16:creationId xmlns="" xmlns:a16="http://schemas.microsoft.com/office/drawing/2014/main" id="{51E5B016-DA46-4E9B-BC35-A1B3A5AAE120}"/>
+              </a:ext>
+            </a:extLst>
+          </p:cNvPr>
+          <p:cNvSpPr/>
+          <p:nvPr/>
+        </p:nvSpPr>
+        <p:spPr>
+          <a:xfrm>
+            <a:off x="5704552" y="5489976"/>
+            <a:ext cx="2531327" cy="546410"/>
+          </a:xfrm>
+          <a:prstGeom prst="roundRect">
+            <a:avLst/>
+          </a:prstGeom>
+        </p:spPr>
+        <p:style>
+          <a:lnRef idx="2">
+            <a:schemeClr val="accent1">
+              <a:shade val="50000"/>
+            </a:schemeClr>
+          </a:lnRef>
+          <a:fillRef idx="1">
+            <a:schemeClr val="accent1"/>
+          </a:fillRef>
+          <a:effectRef idx="0">
+            <a:schemeClr val="accent1"/>
+          </a:effectRef>
+          <a:fontRef idx="minor">
+            <a:schemeClr val="lt1"/>
+          </a:fontRef>
+        </p:style>
+        <p:txBody>
+          <a:bodyPr rtlCol="0" anchor="ctr"/>
+          <a:lstStyle/>
+          <a:p>
+            <a:pPr algn="ctr"/>
+            <a:r>
+              <a:rPr lang="zh-CN" altLang="en-US" dirty="0"/>
+              <a:t>状态</a:t>
+            </a:r>
+            <a:endParaRPr lang="en-US" altLang="zh-CN" dirty="0"/>
+          </a:p>
+          <a:p>
+            <a:pPr algn="ctr"/>
+            <a:r>
+              <a:rPr lang="en-US" dirty="0"/>
+              <a:t>bin/zkServer.sh status</a:t>
+            </a:r>
+          </a:p>
+        </p:txBody>
+      </p:sp>
+      <p:sp>
+        <p:nvSpPr>
+          <p:cNvPr id="21" name="椭圆形标注 20"/>
+          <p:cNvSpPr/>
+          <p:nvPr/>
+        </p:nvSpPr>
+        <p:spPr>
+          <a:xfrm>
+            <a:off x="8509818" y="2182761"/>
+            <a:ext cx="2566219" cy="1430594"/>
+          </a:xfrm>
+          <a:prstGeom prst="wedgeEllipseCallout">
+            <a:avLst/>
+          </a:prstGeom>
+        </p:spPr>
+        <p:style>
+          <a:lnRef idx="2">
+            <a:schemeClr val="accent2"/>
+          </a:lnRef>
+          <a:fillRef idx="1">
+            <a:schemeClr val="lt1"/>
+          </a:fillRef>
+          <a:effectRef idx="0">
+            <a:schemeClr val="accent2"/>
+          </a:effectRef>
+          <a:fontRef idx="minor">
+            <a:schemeClr val="dk1"/>
+          </a:fontRef>
+        </p:style>
+        <p:txBody>
+          <a:bodyPr rtlCol="0" anchor="ctr"/>
+          <a:lstStyle/>
+          <a:p>
+            <a:pPr algn="ctr"/>
+            <a:r>
+              <a:rPr lang="zh-CN" altLang="en-US" dirty="0" smtClean="0">
+                <a:solidFill>
+                  <a:srgbClr val="FF0000"/>
+                </a:solidFill>
+              </a:rPr>
+              <a:t>编号不能为</a:t>
+            </a:r>
+            <a:r>
+              <a:rPr lang="en-US" altLang="zh-CN" dirty="0" smtClean="0">
+                <a:solidFill>
+                  <a:srgbClr val="FF0000"/>
+                </a:solidFill>
+              </a:rPr>
+              <a:t>0.</a:t>
+            </a:r>
+            <a:r>
+              <a:rPr lang="zh-CN" altLang="en-US" dirty="0" smtClean="0">
+                <a:solidFill>
+                  <a:srgbClr val="FF0000"/>
+                </a:solidFill>
+              </a:rPr>
+              <a:t>会导致无法启动</a:t>
+            </a:r>
+            <a:endParaRPr lang="zh-CN" altLang="en-US" dirty="0">
+              <a:solidFill>
+                <a:srgbClr val="FF0000"/>
+              </a:solidFill>
+            </a:endParaRPr>
+          </a:p>
+        </p:txBody>
+      </p:sp>
+    </p:spTree>
+    <p:extLst>
+      <p:ext uri="{BB962C8B-B14F-4D97-AF65-F5344CB8AC3E}">
+        <p14:creationId xmlns="" xmlns:p14="http://schemas.microsoft.com/office/powerpoint/2010/main" val="576162053"/>
+      </p:ext>
+    </p:extLst>
+  </p:cSld>
+  <p:clrMapOvr>
+    <a:masterClrMapping/>
+  </p:clrMapOvr>
+  <mc:AlternateContent xmlns:mc="http://schemas.openxmlformats.org/markup-compatibility/2006">
+    <mc:Choice xmlns="" xmlns:p14="http://schemas.microsoft.com/office/powerpoint/2010/main" Requires="p14">
       <p:transition spd="slow" p14:dur="1500">
         <p:random/>
       </p:transition>
@@ -10389,7 +12186,7 @@
   <a:extraClrSchemeLst/>
   <a:extLst>
     <a:ext uri="{05A4C25C-085E-4340-85A3-A5531E510DB2}">
-      <thm15:themeFamily xmlns:thm15="http://schemas.microsoft.com/office/thememl/2012/main" xmlns="" name="Office Theme" id="{62F939B6-93AF-4DB8-9C6B-D6C7DFDC589F}" vid="{4A3C46E8-61CC-4603-A589-7422A47A8E4A}"/>
+      <thm15:themeFamily xmlns="" xmlns:thm15="http://schemas.microsoft.com/office/thememl/2012/main" name="Office Theme" id="{62F939B6-93AF-4DB8-9C6B-D6C7DFDC589F}" vid="{4A3C46E8-61CC-4603-A589-7422A47A8E4A}"/>
     </a:ext>
   </a:extLst>
 </a:theme>
@@ -10650,7 +12447,7 @@
   <a:extraClrSchemeLst/>
   <a:extLst>
     <a:ext uri="{05A4C25C-085E-4340-85A3-A5531E510DB2}">
-      <thm15:themeFamily xmlns:thm15="http://schemas.microsoft.com/office/thememl/2012/main" xmlns="" name="Office Theme" id="{62F939B6-93AF-4DB8-9C6B-D6C7DFDC589F}" vid="{4A3C46E8-61CC-4603-A589-7422A47A8E4A}"/>
+      <thm15:themeFamily xmlns="" xmlns:thm15="http://schemas.microsoft.com/office/thememl/2012/main" name="Office Theme" id="{62F939B6-93AF-4DB8-9C6B-D6C7DFDC589F}" vid="{4A3C46E8-61CC-4603-A589-7422A47A8E4A}"/>
     </a:ext>
   </a:extLst>
 </a:theme>

--- a/kafka.pptx
+++ b/kafka.pptx
@@ -114,7 +114,7 @@
   </p:defaultTextStyle>
   <p:extLst>
     <p:ext uri="{EFAFB233-063F-42B5-8137-9DF3F51BA10A}">
-      <p15:sldGuideLst xmlns="" xmlns:p15="http://schemas.microsoft.com/office/powerpoint/2012/main">
+      <p15:sldGuideLst xmlns:p15="http://schemas.microsoft.com/office/powerpoint/2012/main">
         <p15:guide id="1" orient="horz" pos="2160" userDrawn="1">
           <p15:clr>
             <a:srgbClr val="A4A3A4"/>
@@ -214,7 +214,7 @@
             <a:fld id="{05B1D5F9-199E-4B77-ACFB-0D659EE03F6C}" type="datetimeFigureOut">
               <a:rPr lang="zh-CN" altLang="en-US" smtClean="0"/>
               <a:pPr/>
-              <a:t>2018/6/3</a:t>
+              <a:t>2018/6/5</a:t>
             </a:fld>
             <a:endParaRPr lang="zh-CN" altLang="en-US"/>
           </a:p>
@@ -382,7 +382,7 @@
     </p:spTree>
     <p:extLst>
       <p:ext uri="{BB962C8B-B14F-4D97-AF65-F5344CB8AC3E}">
-        <p14:creationId xmlns="" xmlns:p14="http://schemas.microsoft.com/office/powerpoint/2010/main" val="4136795833"/>
+        <p14:creationId xmlns:p14="http://schemas.microsoft.com/office/powerpoint/2010/main" val="4136795833"/>
       </p:ext>
     </p:extLst>
   </p:cSld>
@@ -557,7 +557,7 @@
     </p:spTree>
     <p:extLst>
       <p:ext uri="{BB962C8B-B14F-4D97-AF65-F5344CB8AC3E}">
-        <p14:creationId xmlns="" xmlns:p14="http://schemas.microsoft.com/office/powerpoint/2010/main" val="2594768037"/>
+        <p14:creationId xmlns:p14="http://schemas.microsoft.com/office/powerpoint/2010/main" val="2594768037"/>
       </p:ext>
     </p:extLst>
   </p:cSld>
@@ -642,7 +642,7 @@
     </p:spTree>
     <p:extLst>
       <p:ext uri="{BB962C8B-B14F-4D97-AF65-F5344CB8AC3E}">
-        <p14:creationId xmlns="" xmlns:p14="http://schemas.microsoft.com/office/powerpoint/2010/main" val="2506518844"/>
+        <p14:creationId xmlns:p14="http://schemas.microsoft.com/office/powerpoint/2010/main" val="2506518844"/>
       </p:ext>
     </p:extLst>
   </p:cSld>
@@ -727,7 +727,7 @@
     </p:spTree>
     <p:extLst>
       <p:ext uri="{BB962C8B-B14F-4D97-AF65-F5344CB8AC3E}">
-        <p14:creationId xmlns="" xmlns:p14="http://schemas.microsoft.com/office/powerpoint/2010/main" val="4273141460"/>
+        <p14:creationId xmlns:p14="http://schemas.microsoft.com/office/powerpoint/2010/main" val="4273141460"/>
       </p:ext>
     </p:extLst>
   </p:cSld>
@@ -867,7 +867,7 @@
             <a:fld id="{91AD7F68-8E1B-45E2-8A27-5D5DEAAB1BF2}" type="datetimeFigureOut">
               <a:rPr lang="zh-CN" altLang="en-US" smtClean="0"/>
               <a:pPr/>
-              <a:t>2018/6/3</a:t>
+              <a:t>2018/6/5</a:t>
             </a:fld>
             <a:endParaRPr lang="zh-CN" altLang="en-US"/>
           </a:p>
@@ -919,20 +919,20 @@
     </p:spTree>
     <p:extLst>
       <p:ext uri="{BB962C8B-B14F-4D97-AF65-F5344CB8AC3E}">
-        <p14:creationId xmlns="" xmlns:p14="http://schemas.microsoft.com/office/powerpoint/2010/main" val="3379505774"/>
+        <p14:creationId xmlns:p14="http://schemas.microsoft.com/office/powerpoint/2010/main" val="3379505774"/>
       </p:ext>
     </p:extLst>
   </p:cSld>
   <p:clrMapOvr>
     <a:masterClrMapping/>
   </p:clrMapOvr>
-  <mc:AlternateContent xmlns:mc="http://schemas.openxmlformats.org/markup-compatibility/2006">
-    <mc:Choice xmlns="" xmlns:p14="http://schemas.microsoft.com/office/powerpoint/2010/main" Requires="p14">
+  <mc:AlternateContent xmlns:mc="http://schemas.openxmlformats.org/markup-compatibility/2006" xmlns:p14="http://schemas.microsoft.com/office/powerpoint/2010/main">
+    <mc:Choice Requires="p14">
       <p:transition spd="slow" p14:dur="1500" advClick="0" advTm="0">
         <p:random/>
       </p:transition>
     </mc:Choice>
-    <mc:Fallback>
+    <mc:Fallback xmlns="">
       <p:transition spd="slow" advClick="0" advTm="0">
         <p:random/>
       </p:transition>
@@ -1049,7 +1049,7 @@
             <a:fld id="{91AD7F68-8E1B-45E2-8A27-5D5DEAAB1BF2}" type="datetimeFigureOut">
               <a:rPr lang="zh-CN" altLang="en-US" smtClean="0"/>
               <a:pPr/>
-              <a:t>2018/6/3</a:t>
+              <a:t>2018/6/5</a:t>
             </a:fld>
             <a:endParaRPr lang="zh-CN" altLang="en-US"/>
           </a:p>
@@ -1101,20 +1101,20 @@
     </p:spTree>
     <p:extLst>
       <p:ext uri="{BB962C8B-B14F-4D97-AF65-F5344CB8AC3E}">
-        <p14:creationId xmlns="" xmlns:p14="http://schemas.microsoft.com/office/powerpoint/2010/main" val="4292131042"/>
+        <p14:creationId xmlns:p14="http://schemas.microsoft.com/office/powerpoint/2010/main" val="4292131042"/>
       </p:ext>
     </p:extLst>
   </p:cSld>
   <p:clrMapOvr>
     <a:masterClrMapping/>
   </p:clrMapOvr>
-  <mc:AlternateContent xmlns:mc="http://schemas.openxmlformats.org/markup-compatibility/2006">
-    <mc:Choice xmlns="" xmlns:p14="http://schemas.microsoft.com/office/powerpoint/2010/main" Requires="p14">
+  <mc:AlternateContent xmlns:mc="http://schemas.openxmlformats.org/markup-compatibility/2006" xmlns:p14="http://schemas.microsoft.com/office/powerpoint/2010/main">
+    <mc:Choice Requires="p14">
       <p:transition spd="slow" p14:dur="1500" advClick="0" advTm="0">
         <p:random/>
       </p:transition>
     </mc:Choice>
-    <mc:Fallback>
+    <mc:Fallback xmlns="">
       <p:transition spd="slow" advClick="0" advTm="0">
         <p:random/>
       </p:transition>
@@ -1241,7 +1241,7 @@
             <a:fld id="{91AD7F68-8E1B-45E2-8A27-5D5DEAAB1BF2}" type="datetimeFigureOut">
               <a:rPr lang="zh-CN" altLang="en-US" smtClean="0"/>
               <a:pPr/>
-              <a:t>2018/6/3</a:t>
+              <a:t>2018/6/5</a:t>
             </a:fld>
             <a:endParaRPr lang="zh-CN" altLang="en-US"/>
           </a:p>
@@ -1293,20 +1293,20 @@
     </p:spTree>
     <p:extLst>
       <p:ext uri="{BB962C8B-B14F-4D97-AF65-F5344CB8AC3E}">
-        <p14:creationId xmlns="" xmlns:p14="http://schemas.microsoft.com/office/powerpoint/2010/main" val="1952128637"/>
+        <p14:creationId xmlns:p14="http://schemas.microsoft.com/office/powerpoint/2010/main" val="1952128637"/>
       </p:ext>
     </p:extLst>
   </p:cSld>
   <p:clrMapOvr>
     <a:masterClrMapping/>
   </p:clrMapOvr>
-  <mc:AlternateContent xmlns:mc="http://schemas.openxmlformats.org/markup-compatibility/2006">
-    <mc:Choice xmlns="" xmlns:p14="http://schemas.microsoft.com/office/powerpoint/2010/main" Requires="p14">
+  <mc:AlternateContent xmlns:mc="http://schemas.openxmlformats.org/markup-compatibility/2006" xmlns:p14="http://schemas.microsoft.com/office/powerpoint/2010/main">
+    <mc:Choice Requires="p14">
       <p:transition spd="slow" p14:dur="1500" advClick="0" advTm="0">
         <p:random/>
       </p:transition>
     </mc:Choice>
-    <mc:Fallback>
+    <mc:Fallback xmlns="">
       <p:transition spd="slow" advClick="0" advTm="0">
         <p:random/>
       </p:transition>
@@ -1423,7 +1423,7 @@
             <a:fld id="{91AD7F68-8E1B-45E2-8A27-5D5DEAAB1BF2}" type="datetimeFigureOut">
               <a:rPr lang="zh-CN" altLang="en-US" smtClean="0"/>
               <a:pPr/>
-              <a:t>2018/6/3</a:t>
+              <a:t>2018/6/5</a:t>
             </a:fld>
             <a:endParaRPr lang="zh-CN" altLang="en-US"/>
           </a:p>
@@ -1475,20 +1475,20 @@
     </p:spTree>
     <p:extLst>
       <p:ext uri="{BB962C8B-B14F-4D97-AF65-F5344CB8AC3E}">
-        <p14:creationId xmlns="" xmlns:p14="http://schemas.microsoft.com/office/powerpoint/2010/main" val="4173798514"/>
+        <p14:creationId xmlns:p14="http://schemas.microsoft.com/office/powerpoint/2010/main" val="4173798514"/>
       </p:ext>
     </p:extLst>
   </p:cSld>
   <p:clrMapOvr>
     <a:masterClrMapping/>
   </p:clrMapOvr>
-  <mc:AlternateContent xmlns:mc="http://schemas.openxmlformats.org/markup-compatibility/2006">
-    <mc:Choice xmlns="" xmlns:p14="http://schemas.microsoft.com/office/powerpoint/2010/main" Requires="p14">
+  <mc:AlternateContent xmlns:mc="http://schemas.openxmlformats.org/markup-compatibility/2006" xmlns:p14="http://schemas.microsoft.com/office/powerpoint/2010/main">
+    <mc:Choice Requires="p14">
       <p:transition spd="slow" p14:dur="1500" advClick="0" advTm="0">
         <p:random/>
       </p:transition>
     </mc:Choice>
-    <mc:Fallback>
+    <mc:Fallback xmlns="">
       <p:transition spd="slow" advClick="0" advTm="0">
         <p:random/>
       </p:transition>
@@ -1682,7 +1682,7 @@
             <a:fld id="{91AD7F68-8E1B-45E2-8A27-5D5DEAAB1BF2}" type="datetimeFigureOut">
               <a:rPr lang="zh-CN" altLang="en-US" smtClean="0"/>
               <a:pPr/>
-              <a:t>2018/6/3</a:t>
+              <a:t>2018/6/5</a:t>
             </a:fld>
             <a:endParaRPr lang="zh-CN" altLang="en-US"/>
           </a:p>
@@ -1734,20 +1734,20 @@
     </p:spTree>
     <p:extLst>
       <p:ext uri="{BB962C8B-B14F-4D97-AF65-F5344CB8AC3E}">
-        <p14:creationId xmlns="" xmlns:p14="http://schemas.microsoft.com/office/powerpoint/2010/main" val="2343028950"/>
+        <p14:creationId xmlns:p14="http://schemas.microsoft.com/office/powerpoint/2010/main" val="2343028950"/>
       </p:ext>
     </p:extLst>
   </p:cSld>
   <p:clrMapOvr>
     <a:masterClrMapping/>
   </p:clrMapOvr>
-  <mc:AlternateContent xmlns:mc="http://schemas.openxmlformats.org/markup-compatibility/2006">
-    <mc:Choice xmlns="" xmlns:p14="http://schemas.microsoft.com/office/powerpoint/2010/main" Requires="p14">
+  <mc:AlternateContent xmlns:mc="http://schemas.openxmlformats.org/markup-compatibility/2006" xmlns:p14="http://schemas.microsoft.com/office/powerpoint/2010/main">
+    <mc:Choice Requires="p14">
       <p:transition spd="slow" p14:dur="1500" advClick="0" advTm="0">
         <p:random/>
       </p:transition>
     </mc:Choice>
-    <mc:Fallback>
+    <mc:Fallback xmlns="">
       <p:transition spd="slow" advClick="0" advTm="0">
         <p:random/>
       </p:transition>
@@ -1925,7 +1925,7 @@
             <a:fld id="{91AD7F68-8E1B-45E2-8A27-5D5DEAAB1BF2}" type="datetimeFigureOut">
               <a:rPr lang="zh-CN" altLang="en-US" smtClean="0"/>
               <a:pPr/>
-              <a:t>2018/6/3</a:t>
+              <a:t>2018/6/5</a:t>
             </a:fld>
             <a:endParaRPr lang="zh-CN" altLang="en-US"/>
           </a:p>
@@ -1977,20 +1977,20 @@
     </p:spTree>
     <p:extLst>
       <p:ext uri="{BB962C8B-B14F-4D97-AF65-F5344CB8AC3E}">
-        <p14:creationId xmlns="" xmlns:p14="http://schemas.microsoft.com/office/powerpoint/2010/main" val="1951757828"/>
+        <p14:creationId xmlns:p14="http://schemas.microsoft.com/office/powerpoint/2010/main" val="1951757828"/>
       </p:ext>
     </p:extLst>
   </p:cSld>
   <p:clrMapOvr>
     <a:masterClrMapping/>
   </p:clrMapOvr>
-  <mc:AlternateContent xmlns:mc="http://schemas.openxmlformats.org/markup-compatibility/2006">
-    <mc:Choice xmlns="" xmlns:p14="http://schemas.microsoft.com/office/powerpoint/2010/main" Requires="p14">
+  <mc:AlternateContent xmlns:mc="http://schemas.openxmlformats.org/markup-compatibility/2006" xmlns:p14="http://schemas.microsoft.com/office/powerpoint/2010/main">
+    <mc:Choice Requires="p14">
       <p:transition spd="slow" p14:dur="1500" advClick="0" advTm="0">
         <p:random/>
       </p:transition>
     </mc:Choice>
-    <mc:Fallback>
+    <mc:Fallback xmlns="">
       <p:transition spd="slow" advClick="0" advTm="0">
         <p:random/>
       </p:transition>
@@ -2303,7 +2303,7 @@
             <a:fld id="{91AD7F68-8E1B-45E2-8A27-5D5DEAAB1BF2}" type="datetimeFigureOut">
               <a:rPr lang="zh-CN" altLang="en-US" smtClean="0"/>
               <a:pPr/>
-              <a:t>2018/6/3</a:t>
+              <a:t>2018/6/5</a:t>
             </a:fld>
             <a:endParaRPr lang="zh-CN" altLang="en-US"/>
           </a:p>
@@ -2355,20 +2355,20 @@
     </p:spTree>
     <p:extLst>
       <p:ext uri="{BB962C8B-B14F-4D97-AF65-F5344CB8AC3E}">
-        <p14:creationId xmlns="" xmlns:p14="http://schemas.microsoft.com/office/powerpoint/2010/main" val="3785743930"/>
+        <p14:creationId xmlns:p14="http://schemas.microsoft.com/office/powerpoint/2010/main" val="3785743930"/>
       </p:ext>
     </p:extLst>
   </p:cSld>
   <p:clrMapOvr>
     <a:masterClrMapping/>
   </p:clrMapOvr>
-  <mc:AlternateContent xmlns:mc="http://schemas.openxmlformats.org/markup-compatibility/2006">
-    <mc:Choice xmlns="" xmlns:p14="http://schemas.microsoft.com/office/powerpoint/2010/main" Requires="p14">
+  <mc:AlternateContent xmlns:mc="http://schemas.openxmlformats.org/markup-compatibility/2006" xmlns:p14="http://schemas.microsoft.com/office/powerpoint/2010/main">
+    <mc:Choice Requires="p14">
       <p:transition spd="slow" p14:dur="1500" advClick="0" advTm="0">
         <p:random/>
       </p:transition>
     </mc:Choice>
-    <mc:Fallback>
+    <mc:Fallback xmlns="">
       <p:transition spd="slow" advClick="0" advTm="0">
         <p:random/>
       </p:transition>
@@ -2434,7 +2434,7 @@
             <a:fld id="{91AD7F68-8E1B-45E2-8A27-5D5DEAAB1BF2}" type="datetimeFigureOut">
               <a:rPr lang="zh-CN" altLang="en-US" smtClean="0"/>
               <a:pPr/>
-              <a:t>2018/6/3</a:t>
+              <a:t>2018/6/5</a:t>
             </a:fld>
             <a:endParaRPr lang="zh-CN" altLang="en-US"/>
           </a:p>
@@ -2486,20 +2486,20 @@
     </p:spTree>
     <p:extLst>
       <p:ext uri="{BB962C8B-B14F-4D97-AF65-F5344CB8AC3E}">
-        <p14:creationId xmlns="" xmlns:p14="http://schemas.microsoft.com/office/powerpoint/2010/main" val="1272998583"/>
+        <p14:creationId xmlns:p14="http://schemas.microsoft.com/office/powerpoint/2010/main" val="1272998583"/>
       </p:ext>
     </p:extLst>
   </p:cSld>
   <p:clrMapOvr>
     <a:masterClrMapping/>
   </p:clrMapOvr>
-  <mc:AlternateContent xmlns:mc="http://schemas.openxmlformats.org/markup-compatibility/2006">
-    <mc:Choice xmlns="" xmlns:p14="http://schemas.microsoft.com/office/powerpoint/2010/main" Requires="p14">
+  <mc:AlternateContent xmlns:mc="http://schemas.openxmlformats.org/markup-compatibility/2006" xmlns:p14="http://schemas.microsoft.com/office/powerpoint/2010/main">
+    <mc:Choice Requires="p14">
       <p:transition spd="slow" p14:dur="1500" advClick="0" advTm="0">
         <p:random/>
       </p:transition>
     </mc:Choice>
-    <mc:Fallback>
+    <mc:Fallback xmlns="">
       <p:transition spd="slow" advClick="0" advTm="0">
         <p:random/>
       </p:transition>
@@ -2543,7 +2543,7 @@
             <a:fld id="{91AD7F68-8E1B-45E2-8A27-5D5DEAAB1BF2}" type="datetimeFigureOut">
               <a:rPr lang="zh-CN" altLang="en-US" smtClean="0"/>
               <a:pPr/>
-              <a:t>2018/6/3</a:t>
+              <a:t>2018/6/5</a:t>
             </a:fld>
             <a:endParaRPr lang="zh-CN" altLang="en-US"/>
           </a:p>
@@ -2595,20 +2595,20 @@
     </p:spTree>
     <p:extLst>
       <p:ext uri="{BB962C8B-B14F-4D97-AF65-F5344CB8AC3E}">
-        <p14:creationId xmlns="" xmlns:p14="http://schemas.microsoft.com/office/powerpoint/2010/main" val="2103091704"/>
+        <p14:creationId xmlns:p14="http://schemas.microsoft.com/office/powerpoint/2010/main" val="2103091704"/>
       </p:ext>
     </p:extLst>
   </p:cSld>
   <p:clrMapOvr>
     <a:masterClrMapping/>
   </p:clrMapOvr>
-  <mc:AlternateContent xmlns:mc="http://schemas.openxmlformats.org/markup-compatibility/2006">
-    <mc:Choice xmlns="" xmlns:p14="http://schemas.microsoft.com/office/powerpoint/2010/main" Requires="p14">
+  <mc:AlternateContent xmlns:mc="http://schemas.openxmlformats.org/markup-compatibility/2006" xmlns:p14="http://schemas.microsoft.com/office/powerpoint/2010/main">
+    <mc:Choice Requires="p14">
       <p:transition spd="slow" p14:dur="1500" advClick="0" advTm="0">
         <p:random/>
       </p:transition>
     </mc:Choice>
-    <mc:Fallback>
+    <mc:Fallback xmlns="">
       <p:transition spd="slow" advClick="0" advTm="0">
         <p:random/>
       </p:transition>
@@ -2832,7 +2832,7 @@
             <a:fld id="{91AD7F68-8E1B-45E2-8A27-5D5DEAAB1BF2}" type="datetimeFigureOut">
               <a:rPr lang="zh-CN" altLang="en-US" smtClean="0"/>
               <a:pPr/>
-              <a:t>2018/6/3</a:t>
+              <a:t>2018/6/5</a:t>
             </a:fld>
             <a:endParaRPr lang="zh-CN" altLang="en-US"/>
           </a:p>
@@ -2884,20 +2884,20 @@
     </p:spTree>
     <p:extLst>
       <p:ext uri="{BB962C8B-B14F-4D97-AF65-F5344CB8AC3E}">
-        <p14:creationId xmlns="" xmlns:p14="http://schemas.microsoft.com/office/powerpoint/2010/main" val="2275436477"/>
+        <p14:creationId xmlns:p14="http://schemas.microsoft.com/office/powerpoint/2010/main" val="2275436477"/>
       </p:ext>
     </p:extLst>
   </p:cSld>
   <p:clrMapOvr>
     <a:masterClrMapping/>
   </p:clrMapOvr>
-  <mc:AlternateContent xmlns:mc="http://schemas.openxmlformats.org/markup-compatibility/2006">
-    <mc:Choice xmlns="" xmlns:p14="http://schemas.microsoft.com/office/powerpoint/2010/main" Requires="p14">
+  <mc:AlternateContent xmlns:mc="http://schemas.openxmlformats.org/markup-compatibility/2006" xmlns:p14="http://schemas.microsoft.com/office/powerpoint/2010/main">
+    <mc:Choice Requires="p14">
       <p:transition spd="slow" p14:dur="1500" advClick="0" advTm="0">
         <p:random/>
       </p:transition>
     </mc:Choice>
-    <mc:Fallback>
+    <mc:Fallback xmlns="">
       <p:transition spd="slow" advClick="0" advTm="0">
         <p:random/>
       </p:transition>
@@ -3098,7 +3098,7 @@
             <a:fld id="{91AD7F68-8E1B-45E2-8A27-5D5DEAAB1BF2}" type="datetimeFigureOut">
               <a:rPr lang="zh-CN" altLang="en-US" smtClean="0"/>
               <a:pPr/>
-              <a:t>2018/6/3</a:t>
+              <a:t>2018/6/5</a:t>
             </a:fld>
             <a:endParaRPr lang="zh-CN" altLang="en-US"/>
           </a:p>
@@ -3150,20 +3150,20 @@
     </p:spTree>
     <p:extLst>
       <p:ext uri="{BB962C8B-B14F-4D97-AF65-F5344CB8AC3E}">
-        <p14:creationId xmlns="" xmlns:p14="http://schemas.microsoft.com/office/powerpoint/2010/main" val="2724821356"/>
+        <p14:creationId xmlns:p14="http://schemas.microsoft.com/office/powerpoint/2010/main" val="2724821356"/>
       </p:ext>
     </p:extLst>
   </p:cSld>
   <p:clrMapOvr>
     <a:masterClrMapping/>
   </p:clrMapOvr>
-  <mc:AlternateContent xmlns:mc="http://schemas.openxmlformats.org/markup-compatibility/2006">
-    <mc:Choice xmlns="" xmlns:p14="http://schemas.microsoft.com/office/powerpoint/2010/main" Requires="p14">
+  <mc:AlternateContent xmlns:mc="http://schemas.openxmlformats.org/markup-compatibility/2006" xmlns:p14="http://schemas.microsoft.com/office/powerpoint/2010/main">
+    <mc:Choice Requires="p14">
       <p:transition spd="slow" p14:dur="1500" advClick="0" advTm="0">
         <p:random/>
       </p:transition>
     </mc:Choice>
-    <mc:Fallback>
+    <mc:Fallback xmlns="">
       <p:transition spd="slow" advClick="0" advTm="0">
         <p:random/>
       </p:transition>
@@ -3323,7 +3323,7 @@
             <a:fld id="{91AD7F68-8E1B-45E2-8A27-5D5DEAAB1BF2}" type="datetimeFigureOut">
               <a:rPr lang="zh-CN" altLang="en-US" smtClean="0"/>
               <a:pPr/>
-              <a:t>2018/6/3</a:t>
+              <a:t>2018/6/5</a:t>
             </a:fld>
             <a:endParaRPr lang="zh-CN" altLang="en-US"/>
           </a:p>
@@ -3411,7 +3411,7 @@
     </p:spTree>
     <p:extLst>
       <p:ext uri="{BB962C8B-B14F-4D97-AF65-F5344CB8AC3E}">
-        <p14:creationId xmlns="" xmlns:p14="http://schemas.microsoft.com/office/powerpoint/2010/main" val="666783823"/>
+        <p14:creationId xmlns:p14="http://schemas.microsoft.com/office/powerpoint/2010/main" val="666783823"/>
       </p:ext>
     </p:extLst>
   </p:cSld>
@@ -3429,13 +3429,13 @@
     <p:sldLayoutId id="2147483658" r:id="rId10"/>
     <p:sldLayoutId id="2147483659" r:id="rId11"/>
   </p:sldLayoutIdLst>
-  <mc:AlternateContent xmlns:mc="http://schemas.openxmlformats.org/markup-compatibility/2006">
-    <mc:Choice xmlns="" xmlns:p14="http://schemas.microsoft.com/office/powerpoint/2010/main" Requires="p14">
+  <mc:AlternateContent xmlns:mc="http://schemas.openxmlformats.org/markup-compatibility/2006" xmlns:p14="http://schemas.microsoft.com/office/powerpoint/2010/main">
+    <mc:Choice Requires="p14">
       <p:transition spd="slow" p14:dur="1500" advClick="0" advTm="0">
         <p:random/>
       </p:transition>
     </mc:Choice>
-    <mc:Fallback>
+    <mc:Fallback xmlns="">
       <p:transition spd="slow" advClick="0" advTm="0">
         <p:random/>
       </p:transition>
@@ -3753,7 +3753,7 @@
           <a:blip r:embed="rId3" cstate="print">
             <a:extLst>
               <a:ext uri="{28A0092B-C50C-407E-A947-70E740481C1C}">
-                <a14:useLocalDpi xmlns="" xmlns:a14="http://schemas.microsoft.com/office/drawing/2010/main"/>
+                <a14:useLocalDpi xmlns:a14="http://schemas.microsoft.com/office/drawing/2010/main"/>
               </a:ext>
             </a:extLst>
           </a:blip>
@@ -9327,7 +9327,7 @@
           <p:cNvPr id="9" name="TextBox 8">
             <a:extLst>
               <a:ext uri="{FF2B5EF4-FFF2-40B4-BE49-F238E27FC236}">
-                <a16:creationId xmlns="" xmlns:a16="http://schemas.microsoft.com/office/drawing/2014/main" id="{73C77ED2-C357-47B7-8381-585C44BF2B89}"/>
+                <a16:creationId xmlns:a16="http://schemas.microsoft.com/office/drawing/2014/main" id="{73C77ED2-C357-47B7-8381-585C44BF2B89}"/>
               </a:ext>
             </a:extLst>
           </p:cNvPr>
@@ -9352,7 +9352,7 @@
           <a:p>
             <a:pPr algn="ctr"/>
             <a:r>
-              <a:rPr lang="en-US" altLang="zh-CN" sz="8800" dirty="0" smtClean="0">
+              <a:rPr lang="en-US" altLang="zh-CN" sz="8800" dirty="0">
                 <a:solidFill>
                   <a:schemeClr val="bg1"/>
                 </a:solidFill>
@@ -9361,33 +9361,26 @@
               </a:rPr>
               <a:t>Kafka</a:t>
             </a:r>
-            <a:endParaRPr lang="en-US" altLang="zh-CN" sz="8800" dirty="0">
-              <a:solidFill>
-                <a:schemeClr val="bg1"/>
-              </a:solidFill>
-              <a:latin typeface="Aharoni" panose="02010803020104030203" pitchFamily="2" charset="-79"/>
-              <a:cs typeface="Aharoni" panose="02010803020104030203" pitchFamily="2" charset="-79"/>
-            </a:endParaRPr>
           </a:p>
         </p:txBody>
       </p:sp>
     </p:spTree>
     <p:extLst>
       <p:ext uri="{BB962C8B-B14F-4D97-AF65-F5344CB8AC3E}">
-        <p14:creationId xmlns="" xmlns:p14="http://schemas.microsoft.com/office/powerpoint/2010/main" val="656483861"/>
+        <p14:creationId xmlns:p14="http://schemas.microsoft.com/office/powerpoint/2010/main" val="656483861"/>
       </p:ext>
     </p:extLst>
   </p:cSld>
   <p:clrMapOvr>
     <a:masterClrMapping/>
   </p:clrMapOvr>
-  <mc:AlternateContent xmlns:mc="http://schemas.openxmlformats.org/markup-compatibility/2006">
-    <mc:Choice xmlns="" xmlns:p14="http://schemas.microsoft.com/office/powerpoint/2010/main" Requires="p14">
+  <mc:AlternateContent xmlns:mc="http://schemas.openxmlformats.org/markup-compatibility/2006" xmlns:p14="http://schemas.microsoft.com/office/powerpoint/2010/main">
+    <mc:Choice Requires="p14">
       <p:transition spd="slow" p14:dur="1500">
         <p:random/>
       </p:transition>
     </mc:Choice>
-    <mc:Fallback>
+    <mc:Fallback xmlns="">
       <p:transition spd="slow">
         <p:random/>
       </p:transition>
@@ -9722,6 +9715,36 @@
           <a:chExt cx="0" cy="0"/>
         </a:xfrm>
       </p:grpSpPr>
+      <p:pic>
+        <p:nvPicPr>
+          <p:cNvPr id="4" name="Picture 3">
+            <a:extLst>
+              <a:ext uri="{FF2B5EF4-FFF2-40B4-BE49-F238E27FC236}">
+                <a16:creationId xmlns:a16="http://schemas.microsoft.com/office/drawing/2014/main" id="{C4054012-53D3-42BF-960D-2CA20E5EAFAD}"/>
+              </a:ext>
+            </a:extLst>
+          </p:cNvPr>
+          <p:cNvPicPr>
+            <a:picLocks noChangeAspect="1"/>
+          </p:cNvPicPr>
+          <p:nvPr/>
+        </p:nvPicPr>
+        <p:blipFill>
+          <a:blip r:embed="rId3"/>
+          <a:stretch>
+            <a:fillRect/>
+          </a:stretch>
+        </p:blipFill>
+        <p:spPr>
+          <a:xfrm>
+            <a:off x="2342743" y="1975027"/>
+            <a:ext cx="1047750" cy="1266825"/>
+          </a:xfrm>
+          <a:prstGeom prst="rect">
+            <a:avLst/>
+          </a:prstGeom>
+        </p:spPr>
+      </p:pic>
       <p:grpSp>
         <p:nvGrpSpPr>
           <p:cNvPr id="2" name="1"/>
@@ -9942,7 +9965,7 @@
           <p:cNvPr id="3" name="Rectangle 2">
             <a:extLst>
               <a:ext uri="{FF2B5EF4-FFF2-40B4-BE49-F238E27FC236}">
-                <a16:creationId xmlns="" xmlns:a16="http://schemas.microsoft.com/office/drawing/2014/main" id="{3EC1A520-F8F0-4485-9D8D-9834C2B7D343}"/>
+                <a16:creationId xmlns:a16="http://schemas.microsoft.com/office/drawing/2014/main" id="{3EC1A520-F8F0-4485-9D8D-9834C2B7D343}"/>
               </a:ext>
             </a:extLst>
           </p:cNvPr>
@@ -9981,23 +10004,15 @@
             <a:pPr algn="ctr"/>
             <a:r>
               <a:rPr lang="zh-CN" altLang="en-US" dirty="0"/>
-              <a:t>下</a:t>
+              <a:t>下载</a:t>
             </a:r>
             <a:r>
-              <a:rPr lang="zh-CN" altLang="en-US" dirty="0" smtClean="0"/>
-              <a:t>载</a:t>
-            </a:r>
-            <a:r>
-              <a:rPr lang="en-US" altLang="zh-CN" dirty="0" err="1" smtClean="0"/>
+              <a:rPr lang="en-US" altLang="zh-CN" dirty="0" err="1"/>
               <a:t>kafka</a:t>
             </a:r>
             <a:r>
-              <a:rPr lang="zh-CN" altLang="en-US" dirty="0" smtClean="0"/>
-              <a:t>并</a:t>
-            </a:r>
-            <a:r>
               <a:rPr lang="zh-CN" altLang="en-US" dirty="0"/>
-              <a:t>解压</a:t>
+              <a:t>并解压</a:t>
             </a:r>
             <a:endParaRPr lang="en-US" altLang="zh-CN" dirty="0"/>
           </a:p>
@@ -10008,17 +10023,20 @@
           <p:cNvPr id="8" name="Straight Arrow Connector 7">
             <a:extLst>
               <a:ext uri="{FF2B5EF4-FFF2-40B4-BE49-F238E27FC236}">
-                <a16:creationId xmlns="" xmlns:a16="http://schemas.microsoft.com/office/drawing/2014/main" id="{93642412-98BD-497E-B148-1B36D43416F6}"/>
+                <a16:creationId xmlns:a16="http://schemas.microsoft.com/office/drawing/2014/main" id="{93642412-98BD-497E-B148-1B36D43416F6}"/>
               </a:ext>
             </a:extLst>
           </p:cNvPr>
-          <p:cNvCxnSpPr/>
+          <p:cNvCxnSpPr>
+            <a:cxnSpLocks/>
+            <a:endCxn id="9" idx="1"/>
+          </p:cNvCxnSpPr>
           <p:nvPr/>
         </p:nvCxnSpPr>
         <p:spPr>
-          <a:xfrm flipH="1">
-            <a:off x="2554611" y="1428750"/>
-            <a:ext cx="1917377" cy="1529722"/>
+          <a:xfrm>
+            <a:off x="2668912" y="2155371"/>
+            <a:ext cx="6220722" cy="1659402"/>
           </a:xfrm>
           <a:prstGeom prst="straightConnector1">
             <a:avLst/>
@@ -10047,19 +10065,20 @@
           <p:cNvPr id="10" name="Straight Arrow Connector 9">
             <a:extLst>
               <a:ext uri="{FF2B5EF4-FFF2-40B4-BE49-F238E27FC236}">
-                <a16:creationId xmlns="" xmlns:a16="http://schemas.microsoft.com/office/drawing/2014/main" id="{4EE1600F-5FD0-40DF-8788-4FF617AB41A8}"/>
+                <a16:creationId xmlns:a16="http://schemas.microsoft.com/office/drawing/2014/main" id="{4EE1600F-5FD0-40DF-8788-4FF617AB41A8}"/>
               </a:ext>
             </a:extLst>
           </p:cNvPr>
           <p:cNvCxnSpPr>
             <a:cxnSpLocks/>
+            <a:endCxn id="7" idx="1"/>
           </p:cNvCxnSpPr>
           <p:nvPr/>
         </p:nvCxnSpPr>
         <p:spPr>
-          <a:xfrm flipH="1">
-            <a:off x="2668911" y="1735814"/>
-            <a:ext cx="1724669" cy="3103275"/>
+          <a:xfrm>
+            <a:off x="2769326" y="2379559"/>
+            <a:ext cx="2793515" cy="2960980"/>
           </a:xfrm>
           <a:prstGeom prst="straightConnector1">
             <a:avLst/>
@@ -10083,23 +10102,83 @@
           </a:fontRef>
         </p:style>
       </p:cxnSp>
+      <p:pic>
+        <p:nvPicPr>
+          <p:cNvPr id="7" name="Picture 6">
+            <a:extLst>
+              <a:ext uri="{FF2B5EF4-FFF2-40B4-BE49-F238E27FC236}">
+                <a16:creationId xmlns:a16="http://schemas.microsoft.com/office/drawing/2014/main" id="{61F4E578-31C1-4B33-9361-4B4EB231A343}"/>
+              </a:ext>
+            </a:extLst>
+          </p:cNvPr>
+          <p:cNvPicPr>
+            <a:picLocks noChangeAspect="1"/>
+          </p:cNvPicPr>
+          <p:nvPr/>
+        </p:nvPicPr>
+        <p:blipFill>
+          <a:blip r:embed="rId4"/>
+          <a:stretch>
+            <a:fillRect/>
+          </a:stretch>
+        </p:blipFill>
+        <p:spPr>
+          <a:xfrm>
+            <a:off x="5562841" y="3859401"/>
+            <a:ext cx="2324100" cy="2962275"/>
+          </a:xfrm>
+          <a:prstGeom prst="rect">
+            <a:avLst/>
+          </a:prstGeom>
+        </p:spPr>
+      </p:pic>
+      <p:pic>
+        <p:nvPicPr>
+          <p:cNvPr id="9" name="Picture 8">
+            <a:extLst>
+              <a:ext uri="{FF2B5EF4-FFF2-40B4-BE49-F238E27FC236}">
+                <a16:creationId xmlns:a16="http://schemas.microsoft.com/office/drawing/2014/main" id="{41449023-137F-4F4D-99A7-0DA7149DF552}"/>
+              </a:ext>
+            </a:extLst>
+          </p:cNvPr>
+          <p:cNvPicPr>
+            <a:picLocks noChangeAspect="1"/>
+          </p:cNvPicPr>
+          <p:nvPr/>
+        </p:nvPicPr>
+        <p:blipFill>
+          <a:blip r:embed="rId5"/>
+          <a:stretch>
+            <a:fillRect/>
+          </a:stretch>
+        </p:blipFill>
+        <p:spPr>
+          <a:xfrm>
+            <a:off x="8889634" y="807870"/>
+            <a:ext cx="2381250" cy="6013806"/>
+          </a:xfrm>
+          <a:prstGeom prst="rect">
+            <a:avLst/>
+          </a:prstGeom>
+        </p:spPr>
+      </p:pic>
     </p:spTree>
     <p:extLst>
       <p:ext uri="{BB962C8B-B14F-4D97-AF65-F5344CB8AC3E}">
-        <p14:creationId xmlns="" xmlns:p14="http://schemas.microsoft.com/office/powerpoint/2010/main" val="264814506"/>
+        <p14:creationId xmlns:p14="http://schemas.microsoft.com/office/powerpoint/2010/main" val="264814506"/>
       </p:ext>
     </p:extLst>
   </p:cSld>
   <p:clrMapOvr>
     <a:masterClrMapping/>
   </p:clrMapOvr>
-  <mc:AlternateContent xmlns:mc="http://schemas.openxmlformats.org/markup-compatibility/2006">
-    <mc:Choice xmlns="" xmlns:p14="http://schemas.microsoft.com/office/powerpoint/2010/main" Requires="p14">
+  <mc:AlternateContent xmlns:mc="http://schemas.openxmlformats.org/markup-compatibility/2006" xmlns:p14="http://schemas.microsoft.com/office/powerpoint/2010/main">
+    <mc:Choice Requires="p14">
       <p:transition spd="slow" p14:dur="1500">
         <p:random/>
       </p:transition>
     </mc:Choice>
-    <mc:Fallback>
+    <mc:Fallback xmlns="">
       <p:transition spd="slow">
         <p:random/>
       </p:transition>
@@ -10600,7 +10679,7 @@
           <p:cNvPr id="4" name="Table 3">
             <a:extLst>
               <a:ext uri="{FF2B5EF4-FFF2-40B4-BE49-F238E27FC236}">
-                <a16:creationId xmlns="" xmlns:a16="http://schemas.microsoft.com/office/drawing/2014/main" id="{03FD2017-379B-48AF-AA9A-FB3C7AE32DB0}"/>
+                <a16:creationId xmlns:a16="http://schemas.microsoft.com/office/drawing/2014/main" id="{03FD2017-379B-48AF-AA9A-FB3C7AE32DB0}"/>
               </a:ext>
             </a:extLst>
           </p:cNvPr>
@@ -10610,14 +10689,14 @@
           <p:nvPr>
             <p:extLst>
               <p:ext uri="{D42A27DB-BD31-4B8C-83A1-F6EECF244321}">
-                <p14:modId xmlns="" xmlns:p14="http://schemas.microsoft.com/office/powerpoint/2010/main" val="191805283"/>
+                <p14:modId xmlns:p14="http://schemas.microsoft.com/office/powerpoint/2010/main" val="3815652803"/>
               </p:ext>
             </p:extLst>
           </p:nvPr>
         </p:nvGraphicFramePr>
         <p:xfrm>
-          <a:off x="583060" y="1214643"/>
-          <a:ext cx="3988940" cy="1483360"/>
+          <a:off x="405245" y="1214643"/>
+          <a:ext cx="4674796" cy="1483360"/>
         </p:xfrm>
         <a:graphic>
           <a:graphicData uri="http://schemas.openxmlformats.org/drawingml/2006/table">
@@ -10626,17 +10705,17 @@
                 <a:tableStyleId>{93296810-A885-4BE3-A3E7-6D5BEEA58F35}</a:tableStyleId>
               </a:tblPr>
               <a:tblGrid>
-                <a:gridCol w="1994470">
+                <a:gridCol w="2337398">
                   <a:extLst>
                     <a:ext uri="{9D8B030D-6E8A-4147-A177-3AD203B41FA5}">
-                      <a16:colId xmlns="" xmlns:a16="http://schemas.microsoft.com/office/drawing/2014/main" val="1192428797"/>
+                      <a16:colId xmlns:a16="http://schemas.microsoft.com/office/drawing/2014/main" val="1192428797"/>
                     </a:ext>
                   </a:extLst>
                 </a:gridCol>
-                <a:gridCol w="1994470">
+                <a:gridCol w="2337398">
                   <a:extLst>
                     <a:ext uri="{9D8B030D-6E8A-4147-A177-3AD203B41FA5}">
-                      <a16:colId xmlns="" xmlns:a16="http://schemas.microsoft.com/office/drawing/2014/main" val="3030332615"/>
+                      <a16:colId xmlns:a16="http://schemas.microsoft.com/office/drawing/2014/main" val="3030332615"/>
                     </a:ext>
                   </a:extLst>
                 </a:gridCol>
@@ -10671,22 +10750,6 @@
                         <a:rPr lang="zh-CN" altLang="en-US" dirty="0"/>
                         <a:t>编号</a:t>
                       </a:r>
-                      <a:r>
-                        <a:rPr lang="en-US" altLang="zh-CN" dirty="0"/>
-                        <a:t>/</a:t>
-                      </a:r>
-                      <a:r>
-                        <a:rPr lang="zh-CN" altLang="en-US" dirty="0"/>
-                        <a:t>端口</a:t>
-                      </a:r>
-                      <a:r>
-                        <a:rPr lang="en-US" altLang="zh-CN" dirty="0"/>
-                        <a:t>/</a:t>
-                      </a:r>
-                      <a:r>
-                        <a:rPr lang="zh-CN" altLang="en-US" dirty="0"/>
-                        <a:t>端口</a:t>
-                      </a:r>
                       <a:endParaRPr lang="en-US" dirty="0"/>
                     </a:p>
                   </a:txBody>
@@ -10694,7 +10757,7 @@
                 </a:tc>
                 <a:extLst>
                   <a:ext uri="{0D108BD9-81ED-4DB2-BD59-A6C34878D82A}">
-                    <a16:rowId xmlns="" xmlns:a16="http://schemas.microsoft.com/office/drawing/2014/main" val="3779552813"/>
+                    <a16:rowId xmlns:a16="http://schemas.microsoft.com/office/drawing/2014/main" val="3779552813"/>
                   </a:ext>
                 </a:extLst>
               </a:tr>
@@ -10706,11 +10769,11 @@
                     <a:p>
                       <a:pPr algn="ctr"/>
                       <a:r>
-                        <a:rPr lang="en-US" dirty="0" smtClean="0"/>
+                        <a:rPr lang="en-US" dirty="0"/>
                         <a:t>192.168.1.2</a:t>
                       </a:r>
                       <a:r>
-                        <a:rPr lang="en-US" altLang="zh-CN" dirty="0" smtClean="0"/>
+                        <a:rPr lang="en-US" altLang="zh-CN" dirty="0"/>
                         <a:t>00</a:t>
                       </a:r>
                       <a:endParaRPr lang="en-US" dirty="0"/>
@@ -10725,16 +10788,8 @@
                     <a:p>
                       <a:pPr algn="ctr"/>
                       <a:r>
-                        <a:rPr lang="en-US" altLang="zh-CN" dirty="0" smtClean="0"/>
-                        <a:t>200</a:t>
-                      </a:r>
-                      <a:r>
-                        <a:rPr lang="en-US" dirty="0" smtClean="0"/>
-                        <a:t> </a:t>
-                      </a:r>
-                      <a:r>
                         <a:rPr lang="en-US" dirty="0"/>
-                        <a:t>/ 2888 / 3888</a:t>
+                        <a:t>0</a:t>
                       </a:r>
                     </a:p>
                   </a:txBody>
@@ -10742,7 +10797,7 @@
                 </a:tc>
                 <a:extLst>
                   <a:ext uri="{0D108BD9-81ED-4DB2-BD59-A6C34878D82A}">
-                    <a16:rowId xmlns="" xmlns:a16="http://schemas.microsoft.com/office/drawing/2014/main" val="3170094617"/>
+                    <a16:rowId xmlns:a16="http://schemas.microsoft.com/office/drawing/2014/main" val="3170094617"/>
                   </a:ext>
                 </a:extLst>
               </a:tr>
@@ -10754,11 +10809,11 @@
                     <a:p>
                       <a:pPr algn="ctr"/>
                       <a:r>
-                        <a:rPr lang="en-US" dirty="0" smtClean="0"/>
+                        <a:rPr lang="en-US" dirty="0"/>
                         <a:t>192.168.1.2</a:t>
                       </a:r>
                       <a:r>
-                        <a:rPr lang="en-US" altLang="zh-CN" dirty="0" smtClean="0"/>
+                        <a:rPr lang="en-US" altLang="zh-CN" dirty="0"/>
                         <a:t>01</a:t>
                       </a:r>
                       <a:endParaRPr lang="en-US" dirty="0"/>
@@ -10789,16 +10844,8 @@
                         <a:defRPr/>
                       </a:pPr>
                       <a:r>
-                        <a:rPr lang="en-US" altLang="zh-CN" dirty="0" smtClean="0"/>
-                        <a:t>201</a:t>
-                      </a:r>
-                      <a:r>
-                        <a:rPr lang="en-US" dirty="0" smtClean="0"/>
-                        <a:t> </a:t>
-                      </a:r>
-                      <a:r>
                         <a:rPr lang="en-US" dirty="0"/>
-                        <a:t>/ 2888 / 3888</a:t>
+                        <a:t>1</a:t>
                       </a:r>
                     </a:p>
                   </a:txBody>
@@ -10806,7 +10853,7 @@
                 </a:tc>
                 <a:extLst>
                   <a:ext uri="{0D108BD9-81ED-4DB2-BD59-A6C34878D82A}">
-                    <a16:rowId xmlns="" xmlns:a16="http://schemas.microsoft.com/office/drawing/2014/main" val="1064764339"/>
+                    <a16:rowId xmlns:a16="http://schemas.microsoft.com/office/drawing/2014/main" val="1064764339"/>
                   </a:ext>
                 </a:extLst>
               </a:tr>
@@ -10818,11 +10865,11 @@
                     <a:p>
                       <a:pPr algn="ctr"/>
                       <a:r>
-                        <a:rPr lang="en-US" dirty="0" smtClean="0"/>
+                        <a:rPr lang="en-US" dirty="0"/>
                         <a:t>192.168.1.2</a:t>
                       </a:r>
                       <a:r>
-                        <a:rPr lang="en-US" altLang="zh-CN" dirty="0" smtClean="0"/>
+                        <a:rPr lang="en-US" altLang="zh-CN" dirty="0"/>
                         <a:t>02</a:t>
                       </a:r>
                       <a:endParaRPr lang="en-US" dirty="0"/>
@@ -10853,16 +10900,8 @@
                         <a:defRPr/>
                       </a:pPr>
                       <a:r>
-                        <a:rPr lang="en-US" altLang="zh-CN" dirty="0" smtClean="0"/>
-                        <a:t>202</a:t>
-                      </a:r>
-                      <a:r>
-                        <a:rPr lang="en-US" dirty="0" smtClean="0"/>
-                        <a:t> </a:t>
-                      </a:r>
-                      <a:r>
                         <a:rPr lang="en-US" dirty="0"/>
-                        <a:t>/ 2888 / 3888</a:t>
+                        <a:t>2</a:t>
                       </a:r>
                     </a:p>
                   </a:txBody>
@@ -10870,7 +10909,7 @@
                 </a:tc>
                 <a:extLst>
                   <a:ext uri="{0D108BD9-81ED-4DB2-BD59-A6C34878D82A}">
-                    <a16:rowId xmlns="" xmlns:a16="http://schemas.microsoft.com/office/drawing/2014/main" val="1799974999"/>
+                    <a16:rowId xmlns:a16="http://schemas.microsoft.com/office/drawing/2014/main" val="1799974999"/>
                   </a:ext>
                 </a:extLst>
               </a:tr>
@@ -10883,7 +10922,7 @@
           <p:cNvPr id="5" name="Rectangle: Rounded Corners 4">
             <a:extLst>
               <a:ext uri="{FF2B5EF4-FFF2-40B4-BE49-F238E27FC236}">
-                <a16:creationId xmlns="" xmlns:a16="http://schemas.microsoft.com/office/drawing/2014/main" id="{F44BD43D-D6E7-4B49-AD28-7A4A998525D0}"/>
+                <a16:creationId xmlns:a16="http://schemas.microsoft.com/office/drawing/2014/main" id="{F44BD43D-D6E7-4B49-AD28-7A4A998525D0}"/>
               </a:ext>
             </a:extLst>
           </p:cNvPr>
@@ -10892,8 +10931,8 @@
         </p:nvSpPr>
         <p:spPr>
           <a:xfrm>
-            <a:off x="5080041" y="1003610"/>
-            <a:ext cx="4967208" cy="3245003"/>
+            <a:off x="5704551" y="3224224"/>
+            <a:ext cx="5735839" cy="1240826"/>
           </a:xfrm>
           <a:prstGeom prst="roundRect">
             <a:avLst/>
@@ -10919,33 +10958,14 @@
           <a:p>
             <a:r>
               <a:rPr lang="en-US" dirty="0"/>
-              <a:t>cd zookeeper-3.4.12</a:t>
+              <a:t>cd kafka_2.11-1.1.0</a:t>
             </a:r>
           </a:p>
           <a:p>
             <a:r>
               <a:rPr lang="en-US" dirty="0"/>
-              <a:t>cd conf</a:t>
+              <a:t>cd config</a:t>
             </a:r>
-          </a:p>
-          <a:p>
-            <a:r>
-              <a:rPr lang="en-US" dirty="0"/>
-              <a:t>mv </a:t>
-            </a:r>
-            <a:r>
-              <a:rPr lang="en-US" dirty="0" err="1"/>
-              <a:t>zoo_sample.cfg</a:t>
-            </a:r>
-            <a:r>
-              <a:rPr lang="en-US" dirty="0"/>
-              <a:t> </a:t>
-            </a:r>
-            <a:r>
-              <a:rPr lang="en-US" dirty="0" err="1"/>
-              <a:t>zoo.cfg</a:t>
-            </a:r>
-            <a:endParaRPr lang="en-US" dirty="0"/>
           </a:p>
           <a:p>
             <a:r>
@@ -10954,122 +10974,18 @@
             </a:r>
             <a:r>
               <a:rPr lang="en-US" dirty="0" err="1"/>
-              <a:t>zoo.cfg</a:t>
+              <a:t>server.properties</a:t>
             </a:r>
             <a:endParaRPr lang="en-US" dirty="0"/>
           </a:p>
-          <a:p>
-            <a:endParaRPr lang="en-US" dirty="0"/>
-          </a:p>
-          <a:p>
-            <a:endParaRPr lang="en-US" dirty="0"/>
-          </a:p>
-          <a:p>
-            <a:endParaRPr lang="en-US" dirty="0"/>
-          </a:p>
-          <a:p>
-            <a:r>
-              <a:rPr lang="en-US" dirty="0" err="1"/>
-              <a:t>cd</a:t>
-            </a:r>
-            <a:r>
-              <a:rPr lang="en-US" dirty="0"/>
-              <a:t> </a:t>
-            </a:r>
-            <a:r>
-              <a:rPr lang="en-US" dirty="0" smtClean="0"/>
-              <a:t>zookeeper/data</a:t>
-            </a:r>
-            <a:endParaRPr lang="en-US" dirty="0"/>
-          </a:p>
-          <a:p>
-            <a:r>
-              <a:rPr lang="en-US" dirty="0"/>
-              <a:t>touch </a:t>
-            </a:r>
-            <a:r>
-              <a:rPr lang="en-US" dirty="0" err="1"/>
-              <a:t>myid</a:t>
-            </a:r>
-            <a:endParaRPr lang="en-US" dirty="0"/>
-          </a:p>
-          <a:p>
-            <a:r>
-              <a:rPr lang="en-US" dirty="0"/>
-              <a:t>vi </a:t>
-            </a:r>
-            <a:r>
-              <a:rPr lang="en-US" dirty="0" err="1"/>
-              <a:t>myid</a:t>
-            </a:r>
-            <a:r>
-              <a:rPr lang="en-US" dirty="0"/>
-              <a:t> (</a:t>
-            </a:r>
-            <a:r>
-              <a:rPr lang="zh-CN" altLang="en-US" dirty="0"/>
-              <a:t>配置文件中声明的服务器编</a:t>
-            </a:r>
-            <a:r>
-              <a:rPr lang="zh-CN" altLang="en-US" dirty="0" smtClean="0"/>
-              <a:t>号</a:t>
-            </a:r>
-            <a:r>
-              <a:rPr lang="en-US" dirty="0" smtClean="0"/>
-              <a:t>)</a:t>
-            </a:r>
-            <a:endParaRPr lang="en-US" dirty="0"/>
-          </a:p>
         </p:txBody>
       </p:sp>
-      <p:cxnSp>
-        <p:nvCxnSpPr>
-          <p:cNvPr id="18" name="Straight Arrow Connector 17">
-            <a:extLst>
-              <a:ext uri="{FF2B5EF4-FFF2-40B4-BE49-F238E27FC236}">
-                <a16:creationId xmlns="" xmlns:a16="http://schemas.microsoft.com/office/drawing/2014/main" id="{C8470B2C-B355-4DDB-B351-34DE697606F9}"/>
-              </a:ext>
-            </a:extLst>
-          </p:cNvPr>
-          <p:cNvCxnSpPr>
-            <a:cxnSpLocks/>
-            <a:endCxn id="19" idx="0"/>
-          </p:cNvCxnSpPr>
-          <p:nvPr/>
-        </p:nvCxnSpPr>
-        <p:spPr>
-          <a:xfrm flipH="1">
-            <a:off x="2606928" y="2163337"/>
-            <a:ext cx="3055641" cy="1178985"/>
-          </a:xfrm>
-          <a:prstGeom prst="straightConnector1">
-            <a:avLst/>
-          </a:prstGeom>
-          <a:ln>
-            <a:tailEnd type="triangle"/>
-          </a:ln>
-        </p:spPr>
-        <p:style>
-          <a:lnRef idx="3">
-            <a:schemeClr val="accent2"/>
-          </a:lnRef>
-          <a:fillRef idx="0">
-            <a:schemeClr val="accent2"/>
-          </a:fillRef>
-          <a:effectRef idx="2">
-            <a:schemeClr val="accent2"/>
-          </a:effectRef>
-          <a:fontRef idx="minor">
-            <a:schemeClr val="tx1"/>
-          </a:fontRef>
-        </p:style>
-      </p:cxnSp>
       <p:sp>
         <p:nvSpPr>
           <p:cNvPr id="19" name="Rectangle: Rounded Corners 18">
             <a:extLst>
               <a:ext uri="{FF2B5EF4-FFF2-40B4-BE49-F238E27FC236}">
-                <a16:creationId xmlns="" xmlns:a16="http://schemas.microsoft.com/office/drawing/2014/main" id="{AF1D24BF-8D6C-44DB-95E6-FE63C41851A4}"/>
+                <a16:creationId xmlns:a16="http://schemas.microsoft.com/office/drawing/2014/main" id="{AF1D24BF-8D6C-44DB-95E6-FE63C41851A4}"/>
               </a:ext>
             </a:extLst>
           </p:cNvPr>
@@ -11078,8 +10994,111 @@
         </p:nvSpPr>
         <p:spPr>
           <a:xfrm>
-            <a:off x="582981" y="3342322"/>
-            <a:ext cx="4047893" cy="2754107"/>
+            <a:off x="405245" y="3342322"/>
+            <a:ext cx="4674796" cy="2754107"/>
+          </a:xfrm>
+          <a:prstGeom prst="roundRect">
+            <a:avLst/>
+          </a:prstGeom>
+        </p:spPr>
+        <p:style>
+          <a:lnRef idx="2">
+            <a:schemeClr val="accent1">
+              <a:shade val="50000"/>
+            </a:schemeClr>
+          </a:lnRef>
+          <a:fillRef idx="1">
+            <a:schemeClr val="accent1"/>
+          </a:fillRef>
+          <a:effectRef idx="0">
+            <a:schemeClr val="accent1"/>
+          </a:effectRef>
+          <a:fontRef idx="minor">
+            <a:schemeClr val="lt1"/>
+          </a:fontRef>
+        </p:style>
+        <p:txBody>
+          <a:bodyPr rtlCol="0" anchor="t"/>
+          <a:lstStyle/>
+          <a:p>
+            <a:r>
+              <a:rPr lang="en-US" dirty="0"/>
+              <a:t>broker.id=0</a:t>
+            </a:r>
+          </a:p>
+          <a:p>
+            <a:r>
+              <a:rPr lang="en-US" dirty="0"/>
+              <a:t>listeners=PLAINTEXT://192.168.200:9092 </a:t>
+            </a:r>
+          </a:p>
+          <a:p>
+            <a:r>
+              <a:rPr lang="en-US" dirty="0" err="1"/>
+              <a:t>log.dirs</a:t>
+            </a:r>
+            <a:r>
+              <a:rPr lang="en-US" dirty="0"/>
+              <a:t>=/</a:t>
+            </a:r>
+            <a:r>
+              <a:rPr lang="en-US" dirty="0" err="1"/>
+              <a:t>usr</a:t>
+            </a:r>
+            <a:r>
+              <a:rPr lang="en-US" dirty="0"/>
+              <a:t>/software/kafka_2.11-1.1.0/data</a:t>
+            </a:r>
+          </a:p>
+          <a:p>
+            <a:r>
+              <a:rPr lang="en-US" dirty="0" err="1"/>
+              <a:t>zookeeper.connect</a:t>
+            </a:r>
+            <a:r>
+              <a:rPr lang="en-US" dirty="0"/>
+              <a:t>= 192.168.1.2</a:t>
+            </a:r>
+            <a:r>
+              <a:rPr lang="en-US" altLang="zh-CN" dirty="0"/>
+              <a:t>00:2181,</a:t>
+            </a:r>
+            <a:r>
+              <a:rPr lang="en-US" dirty="0"/>
+              <a:t> 192.168.1.2</a:t>
+            </a:r>
+            <a:r>
+              <a:rPr lang="en-US" altLang="zh-CN" dirty="0"/>
+              <a:t>01:2181,</a:t>
+            </a:r>
+            <a:r>
+              <a:rPr lang="en-US" dirty="0"/>
+              <a:t> 192.168.1.2</a:t>
+            </a:r>
+            <a:r>
+              <a:rPr lang="en-US" altLang="zh-CN" dirty="0"/>
+              <a:t>02:2181</a:t>
+            </a:r>
+            <a:endParaRPr lang="en-US" dirty="0"/>
+          </a:p>
+        </p:txBody>
+      </p:sp>
+      <p:sp>
+        <p:nvSpPr>
+          <p:cNvPr id="50" name="Rectangle: Rounded Corners 49">
+            <a:extLst>
+              <a:ext uri="{FF2B5EF4-FFF2-40B4-BE49-F238E27FC236}">
+                <a16:creationId xmlns:a16="http://schemas.microsoft.com/office/drawing/2014/main" id="{805E818F-1534-4CF3-B210-FABE2B9977D5}"/>
+              </a:ext>
+            </a:extLst>
+          </p:cNvPr>
+          <p:cNvSpPr/>
+          <p:nvPr/>
+        </p:nvSpPr>
+        <p:spPr>
+          <a:xfrm>
+            <a:off x="5704552" y="4815769"/>
+            <a:ext cx="5735839" cy="546410"/>
           </a:xfrm>
           <a:prstGeom prst="roundRect">
             <a:avLst/>
@@ -11105,109 +11124,22 @@
           <a:bodyPr rtlCol="0" anchor="ctr"/>
           <a:lstStyle/>
           <a:p>
+            <a:pPr algn="ctr"/>
+            <a:r>
+              <a:rPr lang="zh-CN" altLang="en-US" dirty="0"/>
+              <a:t>启动</a:t>
+            </a:r>
+            <a:endParaRPr lang="en-US" altLang="zh-CN" dirty="0"/>
+          </a:p>
+          <a:p>
+            <a:pPr algn="ctr"/>
+            <a:r>
+              <a:rPr lang="en-US" dirty="0"/>
+              <a:t>bin/kafka-server-start.sh config/</a:t>
+            </a:r>
             <a:r>
               <a:rPr lang="en-US" dirty="0" err="1"/>
-              <a:t>tickTime</a:t>
-            </a:r>
-            <a:r>
-              <a:rPr lang="en-US" dirty="0"/>
-              <a:t>=2000</a:t>
-            </a:r>
-          </a:p>
-          <a:p>
-            <a:r>
-              <a:rPr lang="en-US" dirty="0" err="1" smtClean="0"/>
-              <a:t>dataDir</a:t>
-            </a:r>
-            <a:r>
-              <a:rPr lang="en-US" dirty="0" smtClean="0"/>
-              <a:t>=zookeeper/data</a:t>
-            </a:r>
-            <a:endParaRPr lang="en-US" dirty="0"/>
-          </a:p>
-          <a:p>
-            <a:r>
-              <a:rPr lang="en-US" dirty="0" err="1" smtClean="0"/>
-              <a:t>dataLogDir</a:t>
-            </a:r>
-            <a:r>
-              <a:rPr lang="en-US" dirty="0" smtClean="0"/>
-              <a:t>=zookeeper/logs</a:t>
-            </a:r>
-            <a:endParaRPr lang="en-US" dirty="0"/>
-          </a:p>
-          <a:p>
-            <a:r>
-              <a:rPr lang="en-US" dirty="0" err="1"/>
-              <a:t>clientPort</a:t>
-            </a:r>
-            <a:r>
-              <a:rPr lang="en-US" dirty="0"/>
-              <a:t>=2181</a:t>
-            </a:r>
-          </a:p>
-          <a:p>
-            <a:r>
-              <a:rPr lang="en-US" dirty="0" err="1"/>
-              <a:t>initLimit</a:t>
-            </a:r>
-            <a:r>
-              <a:rPr lang="en-US" dirty="0"/>
-              <a:t>=5</a:t>
-            </a:r>
-          </a:p>
-          <a:p>
-            <a:r>
-              <a:rPr lang="en-US" dirty="0" err="1"/>
-              <a:t>syncLimit</a:t>
-            </a:r>
-            <a:r>
-              <a:rPr lang="en-US" dirty="0"/>
-              <a:t>=2</a:t>
-            </a:r>
-          </a:p>
-          <a:p>
-            <a:r>
-              <a:rPr lang="en-US" dirty="0" smtClean="0"/>
-              <a:t>server.1=192.168.1.2</a:t>
-            </a:r>
-            <a:r>
-              <a:rPr lang="en-US" altLang="zh-CN" dirty="0" smtClean="0"/>
-              <a:t>00</a:t>
-            </a:r>
-            <a:r>
-              <a:rPr lang="en-US" dirty="0" smtClean="0"/>
-              <a:t>:2888:3888</a:t>
-            </a:r>
-            <a:endParaRPr lang="en-US" dirty="0"/>
-          </a:p>
-          <a:p>
-            <a:r>
-              <a:rPr lang="en-US" dirty="0" smtClean="0"/>
-              <a:t>server.2=192.168.1.2</a:t>
-            </a:r>
-            <a:r>
-              <a:rPr lang="en-US" altLang="zh-CN" dirty="0" smtClean="0"/>
-              <a:t>01</a:t>
-            </a:r>
-            <a:r>
-              <a:rPr lang="en-US" dirty="0" smtClean="0"/>
-              <a:t>:2888:3888</a:t>
-            </a:r>
-            <a:endParaRPr lang="en-US" dirty="0"/>
-          </a:p>
-          <a:p>
-            <a:r>
-              <a:rPr lang="en-US" smtClean="0"/>
-              <a:t>server.3=192.168.1.2</a:t>
-            </a:r>
-            <a:r>
-              <a:rPr lang="en-US" altLang="zh-CN" smtClean="0"/>
-              <a:t>02</a:t>
-            </a:r>
-            <a:r>
-              <a:rPr lang="en-US" smtClean="0"/>
-              <a:t>:2888:3888</a:t>
+              <a:t>server.properties</a:t>
             </a:r>
             <a:endParaRPr lang="en-US" dirty="0"/>
           </a:p>
@@ -11215,22 +11147,23 @@
       </p:sp>
       <p:cxnSp>
         <p:nvCxnSpPr>
-          <p:cNvPr id="28" name="Connector: Curved 27">
+          <p:cNvPr id="10" name="Connector: Curved 9">
             <a:extLst>
               <a:ext uri="{FF2B5EF4-FFF2-40B4-BE49-F238E27FC236}">
-                <a16:creationId xmlns="" xmlns:a16="http://schemas.microsoft.com/office/drawing/2014/main" id="{4095E972-7815-49CE-B503-7A51B5BF2F57}"/>
+                <a16:creationId xmlns:a16="http://schemas.microsoft.com/office/drawing/2014/main" id="{D36FA189-AEB6-4E70-935D-219610A83C6D}"/>
               </a:ext>
             </a:extLst>
           </p:cNvPr>
           <p:cNvCxnSpPr>
             <a:cxnSpLocks/>
+            <a:stCxn id="12" idx="1"/>
           </p:cNvCxnSpPr>
           <p:nvPr/>
         </p:nvCxnSpPr>
         <p:spPr>
-          <a:xfrm rot="16200000" flipV="1">
-            <a:off x="569351" y="3245311"/>
-            <a:ext cx="3546088" cy="556947"/>
+          <a:xfrm rot="10800000" flipV="1">
+            <a:off x="1776845" y="2171700"/>
+            <a:ext cx="1589810" cy="1483360"/>
           </a:xfrm>
           <a:prstGeom prst="curvedConnector3">
             <a:avLst>
@@ -11242,178 +11175,13 @@
           </a:ln>
         </p:spPr>
         <p:style>
-          <a:lnRef idx="3">
+          <a:lnRef idx="1">
             <a:schemeClr val="accent2"/>
           </a:lnRef>
           <a:fillRef idx="0">
             <a:schemeClr val="accent2"/>
           </a:fillRef>
-          <a:effectRef idx="2">
-            <a:schemeClr val="accent2"/>
-          </a:effectRef>
-          <a:fontRef idx="minor">
-            <a:schemeClr val="tx1"/>
-          </a:fontRef>
-        </p:style>
-      </p:cxnSp>
-      <p:cxnSp>
-        <p:nvCxnSpPr>
-          <p:cNvPr id="31" name="Connector: Curved 30">
-            <a:extLst>
-              <a:ext uri="{FF2B5EF4-FFF2-40B4-BE49-F238E27FC236}">
-                <a16:creationId xmlns="" xmlns:a16="http://schemas.microsoft.com/office/drawing/2014/main" id="{F56B7082-8B12-44BB-ADF0-54898EB9FC06}"/>
-              </a:ext>
-            </a:extLst>
-          </p:cNvPr>
-          <p:cNvCxnSpPr>
-            <a:cxnSpLocks/>
-          </p:cNvCxnSpPr>
-          <p:nvPr/>
-        </p:nvCxnSpPr>
-        <p:spPr>
-          <a:xfrm rot="16200000" flipV="1">
-            <a:off x="451879" y="3640715"/>
-            <a:ext cx="3408321" cy="453565"/>
-          </a:xfrm>
-          <a:prstGeom prst="curvedConnector3">
-            <a:avLst/>
-          </a:prstGeom>
-          <a:ln>
-            <a:tailEnd type="triangle"/>
-          </a:ln>
-        </p:spPr>
-        <p:style>
-          <a:lnRef idx="3">
-            <a:schemeClr val="accent2"/>
-          </a:lnRef>
-          <a:fillRef idx="0">
-            <a:schemeClr val="accent2"/>
-          </a:fillRef>
-          <a:effectRef idx="2">
-            <a:schemeClr val="accent2"/>
-          </a:effectRef>
-          <a:fontRef idx="minor">
-            <a:schemeClr val="tx1"/>
-          </a:fontRef>
-        </p:style>
-      </p:cxnSp>
-      <p:cxnSp>
-        <p:nvCxnSpPr>
-          <p:cNvPr id="33" name="Connector: Curved 32">
-            <a:extLst>
-              <a:ext uri="{FF2B5EF4-FFF2-40B4-BE49-F238E27FC236}">
-                <a16:creationId xmlns="" xmlns:a16="http://schemas.microsoft.com/office/drawing/2014/main" id="{F87A09E2-7F23-4B63-A5FA-2BC0ECB4E620}"/>
-              </a:ext>
-            </a:extLst>
-          </p:cNvPr>
-          <p:cNvCxnSpPr>
-            <a:cxnSpLocks/>
-          </p:cNvCxnSpPr>
-          <p:nvPr/>
-        </p:nvCxnSpPr>
-        <p:spPr>
-          <a:xfrm rot="16200000" flipV="1">
-            <a:off x="308699" y="3967136"/>
-            <a:ext cx="3301598" cy="429981"/>
-          </a:xfrm>
-          <a:prstGeom prst="curvedConnector3">
-            <a:avLst/>
-          </a:prstGeom>
-          <a:ln>
-            <a:tailEnd type="triangle"/>
-          </a:ln>
-        </p:spPr>
-        <p:style>
-          <a:lnRef idx="3">
-            <a:schemeClr val="accent2"/>
-          </a:lnRef>
-          <a:fillRef idx="0">
-            <a:schemeClr val="accent2"/>
-          </a:fillRef>
-          <a:effectRef idx="2">
-            <a:schemeClr val="accent2"/>
-          </a:effectRef>
-          <a:fontRef idx="minor">
-            <a:schemeClr val="tx1"/>
-          </a:fontRef>
-        </p:style>
-      </p:cxnSp>
-      <p:cxnSp>
-        <p:nvCxnSpPr>
-          <p:cNvPr id="9" name="Straight Arrow Connector 8">
-            <a:extLst>
-              <a:ext uri="{FF2B5EF4-FFF2-40B4-BE49-F238E27FC236}">
-                <a16:creationId xmlns="" xmlns:a16="http://schemas.microsoft.com/office/drawing/2014/main" id="{9FC1ED75-3AC9-4D6C-9371-6D819E823677}"/>
-              </a:ext>
-            </a:extLst>
-          </p:cNvPr>
-          <p:cNvCxnSpPr>
-            <a:cxnSpLocks/>
-          </p:cNvCxnSpPr>
-          <p:nvPr/>
-        </p:nvCxnSpPr>
-        <p:spPr>
-          <a:xfrm flipH="1">
-            <a:off x="3846694" y="3362092"/>
-            <a:ext cx="1681210" cy="574288"/>
-          </a:xfrm>
-          <a:prstGeom prst="straightConnector1">
-            <a:avLst/>
-          </a:prstGeom>
-          <a:ln>
-            <a:tailEnd type="triangle"/>
-          </a:ln>
-        </p:spPr>
-        <p:style>
-          <a:lnRef idx="3">
-            <a:schemeClr val="accent2"/>
-          </a:lnRef>
-          <a:fillRef idx="0">
-            <a:schemeClr val="accent2"/>
-          </a:fillRef>
-          <a:effectRef idx="2">
-            <a:schemeClr val="accent2"/>
-          </a:effectRef>
-          <a:fontRef idx="minor">
-            <a:schemeClr val="tx1"/>
-          </a:fontRef>
-        </p:style>
-      </p:cxnSp>
-      <p:cxnSp>
-        <p:nvCxnSpPr>
-          <p:cNvPr id="46" name="Straight Arrow Connector 45">
-            <a:extLst>
-              <a:ext uri="{FF2B5EF4-FFF2-40B4-BE49-F238E27FC236}">
-                <a16:creationId xmlns="" xmlns:a16="http://schemas.microsoft.com/office/drawing/2014/main" id="{7BA8E127-16B2-4189-8CA3-18E708061949}"/>
-              </a:ext>
-            </a:extLst>
-          </p:cNvPr>
-          <p:cNvCxnSpPr>
-            <a:cxnSpLocks/>
-            <a:endCxn id="48" idx="1"/>
-          </p:cNvCxnSpPr>
-          <p:nvPr/>
-        </p:nvCxnSpPr>
-        <p:spPr>
-          <a:xfrm flipH="1">
-            <a:off x="1714448" y="3826820"/>
-            <a:ext cx="4027576" cy="1744838"/>
-          </a:xfrm>
-          <a:prstGeom prst="straightConnector1">
-            <a:avLst/>
-          </a:prstGeom>
-          <a:ln>
-            <a:tailEnd type="triangle"/>
-          </a:ln>
-        </p:spPr>
-        <p:style>
-          <a:lnRef idx="3">
-            <a:schemeClr val="accent2"/>
-          </a:lnRef>
-          <a:fillRef idx="0">
-            <a:schemeClr val="accent2"/>
-          </a:fillRef>
-          <a:effectRef idx="2">
+          <a:effectRef idx="0">
             <a:schemeClr val="accent2"/>
           </a:effectRef>
           <a:fontRef idx="minor">
@@ -11423,10 +11191,10 @@
       </p:cxnSp>
       <p:sp>
         <p:nvSpPr>
-          <p:cNvPr id="48" name="Right Brace 47">
+          <p:cNvPr id="12" name="Left Brace 11">
             <a:extLst>
               <a:ext uri="{FF2B5EF4-FFF2-40B4-BE49-F238E27FC236}">
-                <a16:creationId xmlns="" xmlns:a16="http://schemas.microsoft.com/office/drawing/2014/main" id="{DFEB53DD-1125-42B3-96A6-400BAEF5EDEF}"/>
+                <a16:creationId xmlns:a16="http://schemas.microsoft.com/office/drawing/2014/main" id="{BD1F99B8-D33D-4816-BF54-495B11324BAA}"/>
               </a:ext>
             </a:extLst>
           </p:cNvPr>
@@ -11435,22 +11203,22 @@
         </p:nvSpPr>
         <p:spPr>
           <a:xfrm>
-            <a:off x="1529698" y="5221178"/>
-            <a:ext cx="184750" cy="700960"/>
+            <a:off x="3366655" y="1766455"/>
+            <a:ext cx="166254" cy="810490"/>
           </a:xfrm>
-          <a:prstGeom prst="rightBrace">
+          <a:prstGeom prst="leftBrace">
             <a:avLst/>
           </a:prstGeom>
         </p:spPr>
         <p:style>
-          <a:lnRef idx="3">
-            <a:schemeClr val="accent4"/>
+          <a:lnRef idx="1">
+            <a:schemeClr val="accent1"/>
           </a:lnRef>
           <a:fillRef idx="0">
-            <a:schemeClr val="accent4"/>
+            <a:schemeClr val="accent1"/>
           </a:fillRef>
-          <a:effectRef idx="2">
-            <a:schemeClr val="accent4"/>
+          <a:effectRef idx="0">
+            <a:schemeClr val="accent1"/>
           </a:effectRef>
           <a:fontRef idx="minor">
             <a:schemeClr val="tx1"/>
@@ -11467,10 +11235,10 @@
       </p:sp>
       <p:sp>
         <p:nvSpPr>
-          <p:cNvPr id="50" name="Rectangle: Rounded Corners 49">
+          <p:cNvPr id="25" name="Right Brace 24">
             <a:extLst>
               <a:ext uri="{FF2B5EF4-FFF2-40B4-BE49-F238E27FC236}">
-                <a16:creationId xmlns="" xmlns:a16="http://schemas.microsoft.com/office/drawing/2014/main" id="{805E818F-1534-4CF3-B210-FABE2B9977D5}"/>
+                <a16:creationId xmlns:a16="http://schemas.microsoft.com/office/drawing/2014/main" id="{2DB43429-F812-4F32-B2D7-C6C89EA9BEE2}"/>
               </a:ext>
             </a:extLst>
           </p:cNvPr>
@@ -11479,27 +11247,25 @@
         </p:nvSpPr>
         <p:spPr>
           <a:xfrm>
-            <a:off x="5704553" y="4815769"/>
-            <a:ext cx="2531327" cy="546410"/>
+            <a:off x="2286000" y="1766455"/>
+            <a:ext cx="166254" cy="810490"/>
           </a:xfrm>
-          <a:prstGeom prst="roundRect">
+          <a:prstGeom prst="rightBrace">
             <a:avLst/>
           </a:prstGeom>
         </p:spPr>
         <p:style>
-          <a:lnRef idx="2">
-            <a:schemeClr val="accent1">
-              <a:shade val="50000"/>
-            </a:schemeClr>
+          <a:lnRef idx="1">
+            <a:schemeClr val="accent1"/>
           </a:lnRef>
-          <a:fillRef idx="1">
+          <a:fillRef idx="0">
             <a:schemeClr val="accent1"/>
           </a:fillRef>
           <a:effectRef idx="0">
             <a:schemeClr val="accent1"/>
           </a:effectRef>
           <a:fontRef idx="minor">
-            <a:schemeClr val="lt1"/>
+            <a:schemeClr val="tx1"/>
           </a:fontRef>
         </p:style>
         <p:txBody>
@@ -11507,161 +11273,71 @@
           <a:lstStyle/>
           <a:p>
             <a:pPr algn="ctr"/>
-            <a:r>
-              <a:rPr lang="zh-CN" altLang="en-US" dirty="0"/>
-              <a:t>启动</a:t>
-            </a:r>
-            <a:endParaRPr lang="en-US" altLang="zh-CN" dirty="0"/>
-          </a:p>
-          <a:p>
-            <a:pPr algn="ctr"/>
-            <a:r>
-              <a:rPr lang="en-US" dirty="0"/>
-              <a:t>bin/zkServer.sh start</a:t>
-            </a:r>
+            <a:endParaRPr lang="en-US"/>
           </a:p>
         </p:txBody>
       </p:sp>
-      <p:sp>
-        <p:nvSpPr>
-          <p:cNvPr id="20" name="Rectangle: Rounded Corners 19">
+      <p:cxnSp>
+        <p:nvCxnSpPr>
+          <p:cNvPr id="27" name="Connector: Curved 26">
             <a:extLst>
               <a:ext uri="{FF2B5EF4-FFF2-40B4-BE49-F238E27FC236}">
-                <a16:creationId xmlns="" xmlns:a16="http://schemas.microsoft.com/office/drawing/2014/main" id="{51E5B016-DA46-4E9B-BC35-A1B3A5AAE120}"/>
+                <a16:creationId xmlns:a16="http://schemas.microsoft.com/office/drawing/2014/main" id="{20AD5589-82A6-43E4-92EE-DDA76A41403B}"/>
               </a:ext>
             </a:extLst>
           </p:cNvPr>
-          <p:cNvSpPr/>
+          <p:cNvCxnSpPr>
+            <a:stCxn id="25" idx="1"/>
+          </p:cNvCxnSpPr>
           <p:nvPr/>
-        </p:nvSpPr>
+        </p:nvCxnSpPr>
         <p:spPr>
-          <a:xfrm>
-            <a:off x="5704552" y="5489976"/>
-            <a:ext cx="2531327" cy="546410"/>
+          <a:xfrm rot="10800000" flipH="1" flipV="1">
+            <a:off x="2452253" y="2171700"/>
+            <a:ext cx="1080655" cy="1672936"/>
           </a:xfrm>
-          <a:prstGeom prst="roundRect">
-            <a:avLst/>
+          <a:prstGeom prst="curvedConnector4">
+            <a:avLst>
+              <a:gd name="adj1" fmla="val 9615"/>
+              <a:gd name="adj2" fmla="val 26087"/>
+            </a:avLst>
           </a:prstGeom>
+          <a:ln>
+            <a:tailEnd type="triangle"/>
+          </a:ln>
         </p:spPr>
         <p:style>
-          <a:lnRef idx="2">
-            <a:schemeClr val="accent1">
-              <a:shade val="50000"/>
-            </a:schemeClr>
+          <a:lnRef idx="3">
+            <a:schemeClr val="accent6"/>
           </a:lnRef>
-          <a:fillRef idx="1">
-            <a:schemeClr val="accent1"/>
+          <a:fillRef idx="0">
+            <a:schemeClr val="accent6"/>
           </a:fillRef>
-          <a:effectRef idx="0">
-            <a:schemeClr val="accent1"/>
+          <a:effectRef idx="2">
+            <a:schemeClr val="accent6"/>
           </a:effectRef>
           <a:fontRef idx="minor">
-            <a:schemeClr val="lt1"/>
+            <a:schemeClr val="tx1"/>
           </a:fontRef>
         </p:style>
-        <p:txBody>
-          <a:bodyPr rtlCol="0" anchor="ctr"/>
-          <a:lstStyle/>
-          <a:p>
-            <a:pPr algn="ctr"/>
-            <a:r>
-              <a:rPr lang="zh-CN" altLang="en-US" dirty="0"/>
-              <a:t>状态</a:t>
-            </a:r>
-            <a:endParaRPr lang="en-US" altLang="zh-CN" dirty="0"/>
-          </a:p>
-          <a:p>
-            <a:pPr algn="ctr"/>
-            <a:r>
-              <a:rPr lang="en-US" dirty="0"/>
-              <a:t>bin/zkServer.sh status</a:t>
-            </a:r>
-          </a:p>
-        </p:txBody>
-      </p:sp>
-      <p:sp>
-        <p:nvSpPr>
-          <p:cNvPr id="21" name="椭圆形标注 20"/>
-          <p:cNvSpPr/>
-          <p:nvPr/>
-        </p:nvSpPr>
-        <p:spPr>
-          <a:xfrm>
-            <a:off x="8509818" y="2182761"/>
-            <a:ext cx="2566219" cy="1430594"/>
-          </a:xfrm>
-          <a:prstGeom prst="wedgeEllipseCallout">
-            <a:avLst/>
-          </a:prstGeom>
-        </p:spPr>
-        <p:style>
-          <a:lnRef idx="2">
-            <a:schemeClr val="accent2"/>
-          </a:lnRef>
-          <a:fillRef idx="1">
-            <a:schemeClr val="lt1"/>
-          </a:fillRef>
-          <a:effectRef idx="0">
-            <a:schemeClr val="accent2"/>
-          </a:effectRef>
-          <a:fontRef idx="minor">
-            <a:schemeClr val="dk1"/>
-          </a:fontRef>
-        </p:style>
-        <p:txBody>
-          <a:bodyPr rtlCol="0" anchor="ctr"/>
-          <a:lstStyle/>
-          <a:p>
-            <a:pPr algn="ctr"/>
-            <a:r>
-              <a:rPr lang="zh-CN" altLang="en-US" dirty="0" smtClean="0">
-                <a:solidFill>
-                  <a:srgbClr val="FF0000"/>
-                </a:solidFill>
-              </a:rPr>
-              <a:t>编号不能为</a:t>
-            </a:r>
-            <a:r>
-              <a:rPr lang="en-US" altLang="zh-CN" dirty="0" smtClean="0">
-                <a:solidFill>
-                  <a:srgbClr val="FF0000"/>
-                </a:solidFill>
-              </a:rPr>
-              <a:t>0.</a:t>
-            </a:r>
-            <a:r>
-              <a:rPr lang="zh-CN" altLang="en-US" dirty="0" smtClean="0">
-                <a:solidFill>
-                  <a:srgbClr val="FF0000"/>
-                </a:solidFill>
-              </a:rPr>
-              <a:t>会导致无法启动</a:t>
-            </a:r>
-            <a:endParaRPr lang="zh-CN" altLang="en-US" dirty="0">
-              <a:solidFill>
-                <a:srgbClr val="FF0000"/>
-              </a:solidFill>
-            </a:endParaRPr>
-          </a:p>
-        </p:txBody>
-      </p:sp>
+      </p:cxnSp>
     </p:spTree>
     <p:extLst>
       <p:ext uri="{BB962C8B-B14F-4D97-AF65-F5344CB8AC3E}">
-        <p14:creationId xmlns="" xmlns:p14="http://schemas.microsoft.com/office/powerpoint/2010/main" val="576162053"/>
+        <p14:creationId xmlns:p14="http://schemas.microsoft.com/office/powerpoint/2010/main" val="576162053"/>
       </p:ext>
     </p:extLst>
   </p:cSld>
   <p:clrMapOvr>
     <a:masterClrMapping/>
   </p:clrMapOvr>
-  <mc:AlternateContent xmlns:mc="http://schemas.openxmlformats.org/markup-compatibility/2006">
-    <mc:Choice xmlns="" xmlns:p14="http://schemas.microsoft.com/office/powerpoint/2010/main" Requires="p14">
+  <mc:AlternateContent xmlns:mc="http://schemas.openxmlformats.org/markup-compatibility/2006" xmlns:p14="http://schemas.microsoft.com/office/powerpoint/2010/main">
+    <mc:Choice Requires="p14">
       <p:transition spd="slow" p14:dur="1500">
         <p:random/>
       </p:transition>
     </mc:Choice>
-    <mc:Fallback>
+    <mc:Fallback xmlns="">
       <p:transition spd="slow">
         <p:random/>
       </p:transition>
@@ -12186,7 +11862,7 @@
   <a:extraClrSchemeLst/>
   <a:extLst>
     <a:ext uri="{05A4C25C-085E-4340-85A3-A5531E510DB2}">
-      <thm15:themeFamily xmlns="" xmlns:thm15="http://schemas.microsoft.com/office/thememl/2012/main" name="Office Theme" id="{62F939B6-93AF-4DB8-9C6B-D6C7DFDC589F}" vid="{4A3C46E8-61CC-4603-A589-7422A47A8E4A}"/>
+      <thm15:themeFamily xmlns:thm15="http://schemas.microsoft.com/office/thememl/2012/main" name="Office Theme" id="{62F939B6-93AF-4DB8-9C6B-D6C7DFDC589F}" vid="{4A3C46E8-61CC-4603-A589-7422A47A8E4A}"/>
     </a:ext>
   </a:extLst>
 </a:theme>
@@ -12447,7 +12123,7 @@
   <a:extraClrSchemeLst/>
   <a:extLst>
     <a:ext uri="{05A4C25C-085E-4340-85A3-A5531E510DB2}">
-      <thm15:themeFamily xmlns="" xmlns:thm15="http://schemas.microsoft.com/office/thememl/2012/main" name="Office Theme" id="{62F939B6-93AF-4DB8-9C6B-D6C7DFDC589F}" vid="{4A3C46E8-61CC-4603-A589-7422A47A8E4A}"/>
+      <thm15:themeFamily xmlns:thm15="http://schemas.microsoft.com/office/thememl/2012/main" name="Office Theme" id="{62F939B6-93AF-4DB8-9C6B-D6C7DFDC589F}" vid="{4A3C46E8-61CC-4603-A589-7422A47A8E4A}"/>
     </a:ext>
   </a:extLst>
 </a:theme>
